--- a/selenium_camp_v1.pptx
+++ b/selenium_camp_v1.pptx
@@ -7,17 +7,23 @@
   <p:sldIdLst>
     <p:sldId id="256" r:id="rId2"/>
     <p:sldId id="258" r:id="rId3"/>
-    <p:sldId id="259" r:id="rId4"/>
-    <p:sldId id="260" r:id="rId5"/>
-    <p:sldId id="265" r:id="rId6"/>
-    <p:sldId id="266" r:id="rId7"/>
-    <p:sldId id="267" r:id="rId8"/>
-    <p:sldId id="264" r:id="rId9"/>
-    <p:sldId id="261" r:id="rId10"/>
-    <p:sldId id="262" r:id="rId11"/>
-    <p:sldId id="268" r:id="rId12"/>
-    <p:sldId id="269" r:id="rId13"/>
-    <p:sldId id="263" r:id="rId14"/>
+    <p:sldId id="270" r:id="rId4"/>
+    <p:sldId id="272" r:id="rId5"/>
+    <p:sldId id="273" r:id="rId6"/>
+    <p:sldId id="271" r:id="rId7"/>
+    <p:sldId id="274" r:id="rId8"/>
+    <p:sldId id="275" r:id="rId9"/>
+    <p:sldId id="276" r:id="rId10"/>
+    <p:sldId id="260" r:id="rId11"/>
+    <p:sldId id="265" r:id="rId12"/>
+    <p:sldId id="266" r:id="rId13"/>
+    <p:sldId id="267" r:id="rId14"/>
+    <p:sldId id="264" r:id="rId15"/>
+    <p:sldId id="261" r:id="rId16"/>
+    <p:sldId id="262" r:id="rId17"/>
+    <p:sldId id="268" r:id="rId18"/>
+    <p:sldId id="269" r:id="rId19"/>
+    <p:sldId id="263" r:id="rId20"/>
   </p:sldIdLst>
   <p:sldSz cx="9144000" cy="6858000" type="screen4x3"/>
   <p:notesSz cx="6858000" cy="9144000"/>
@@ -300,7 +306,7 @@
           <a:p>
             <a:fld id="{6BFECD78-3C8E-49F2-8FAB-59489D168ABB}" type="datetimeFigureOut">
               <a:rPr lang="en-US" smtClean="0"/>
-              <a:t>2/20/12</a:t>
+              <a:t>2/21/12</a:t>
             </a:fld>
             <a:endParaRPr lang="en-US"/>
           </a:p>
@@ -470,7 +476,7 @@
           <a:p>
             <a:fld id="{6BFECD78-3C8E-49F2-8FAB-59489D168ABB}" type="datetimeFigureOut">
               <a:rPr lang="en-US" smtClean="0"/>
-              <a:t>2/20/12</a:t>
+              <a:t>2/21/12</a:t>
             </a:fld>
             <a:endParaRPr lang="en-US"/>
           </a:p>
@@ -650,7 +656,7 @@
           <a:p>
             <a:fld id="{6BFECD78-3C8E-49F2-8FAB-59489D168ABB}" type="datetimeFigureOut">
               <a:rPr lang="en-US" smtClean="0"/>
-              <a:t>2/20/12</a:t>
+              <a:t>2/21/12</a:t>
             </a:fld>
             <a:endParaRPr lang="en-US"/>
           </a:p>
@@ -820,7 +826,7 @@
           <a:p>
             <a:fld id="{6BFECD78-3C8E-49F2-8FAB-59489D168ABB}" type="datetimeFigureOut">
               <a:rPr lang="en-US" smtClean="0"/>
-              <a:t>2/20/12</a:t>
+              <a:t>2/21/12</a:t>
             </a:fld>
             <a:endParaRPr lang="en-US"/>
           </a:p>
@@ -1066,7 +1072,7 @@
           <a:p>
             <a:fld id="{6BFECD78-3C8E-49F2-8FAB-59489D168ABB}" type="datetimeFigureOut">
               <a:rPr lang="en-US" smtClean="0"/>
-              <a:t>2/20/12</a:t>
+              <a:t>2/21/12</a:t>
             </a:fld>
             <a:endParaRPr lang="en-US"/>
           </a:p>
@@ -1354,7 +1360,7 @@
           <a:p>
             <a:fld id="{6BFECD78-3C8E-49F2-8FAB-59489D168ABB}" type="datetimeFigureOut">
               <a:rPr lang="en-US" smtClean="0"/>
-              <a:t>2/20/12</a:t>
+              <a:t>2/21/12</a:t>
             </a:fld>
             <a:endParaRPr lang="en-US"/>
           </a:p>
@@ -1776,7 +1782,7 @@
           <a:p>
             <a:fld id="{6BFECD78-3C8E-49F2-8FAB-59489D168ABB}" type="datetimeFigureOut">
               <a:rPr lang="en-US" smtClean="0"/>
-              <a:t>2/20/12</a:t>
+              <a:t>2/21/12</a:t>
             </a:fld>
             <a:endParaRPr lang="en-US"/>
           </a:p>
@@ -1894,7 +1900,7 @@
           <a:p>
             <a:fld id="{6BFECD78-3C8E-49F2-8FAB-59489D168ABB}" type="datetimeFigureOut">
               <a:rPr lang="en-US" smtClean="0"/>
-              <a:t>2/20/12</a:t>
+              <a:t>2/21/12</a:t>
             </a:fld>
             <a:endParaRPr lang="en-US"/>
           </a:p>
@@ -1989,7 +1995,7 @@
           <a:p>
             <a:fld id="{6BFECD78-3C8E-49F2-8FAB-59489D168ABB}" type="datetimeFigureOut">
               <a:rPr lang="en-US" smtClean="0"/>
-              <a:t>2/20/12</a:t>
+              <a:t>2/21/12</a:t>
             </a:fld>
             <a:endParaRPr lang="en-US"/>
           </a:p>
@@ -2266,7 +2272,7 @@
           <a:p>
             <a:fld id="{6BFECD78-3C8E-49F2-8FAB-59489D168ABB}" type="datetimeFigureOut">
               <a:rPr lang="en-US" smtClean="0"/>
-              <a:t>2/20/12</a:t>
+              <a:t>2/21/12</a:t>
             </a:fld>
             <a:endParaRPr lang="en-US"/>
           </a:p>
@@ -2523,7 +2529,7 @@
           <a:p>
             <a:fld id="{6BFECD78-3C8E-49F2-8FAB-59489D168ABB}" type="datetimeFigureOut">
               <a:rPr lang="en-US" smtClean="0"/>
-              <a:t>2/20/12</a:t>
+              <a:t>2/21/12</a:t>
             </a:fld>
             <a:endParaRPr lang="en-US"/>
           </a:p>
@@ -2736,7 +2742,7 @@
           <a:p>
             <a:fld id="{6BFECD78-3C8E-49F2-8FAB-59489D168ABB}" type="datetimeFigureOut">
               <a:rPr lang="en-US" smtClean="0"/>
-              <a:t>2/20/12</a:t>
+              <a:t>2/21/12</a:t>
             </a:fld>
             <a:endParaRPr lang="en-US"/>
           </a:p>
@@ -3207,7 +3213,11 @@
           <a:p>
             <a:r>
               <a:rPr lang="en-US" dirty="0" smtClean="0"/>
-              <a:t>Sauce</a:t>
+              <a:t>Video</a:t>
+            </a:r>
+            <a:r>
+              <a:rPr lang="en-US" baseline="0" dirty="0" smtClean="0"/>
+              <a:t> Capture of test</a:t>
             </a:r>
             <a:endParaRPr lang="en-US" dirty="0"/>
           </a:p>
@@ -3230,19 +3240,11 @@
           <a:p>
             <a:r>
               <a:rPr lang="en-US" dirty="0" smtClean="0"/>
-              <a:t>How sauce works</a:t>
-            </a:r>
-          </a:p>
-          <a:p>
-            <a:r>
-              <a:rPr lang="en-US" dirty="0" smtClean="0"/>
-              <a:t>Connection snippet</a:t>
-            </a:r>
-          </a:p>
-          <a:p>
-            <a:r>
-              <a:rPr lang="en-US" dirty="0" smtClean="0"/>
-              <a:t>Test run snippet</a:t>
+              <a:t>Code</a:t>
+            </a:r>
+            <a:r>
+              <a:rPr lang="en-US" baseline="0" dirty="0" smtClean="0"/>
+              <a:t> snippet to record video</a:t>
             </a:r>
           </a:p>
         </p:txBody>
@@ -3250,7 +3252,7 @@
     </p:spTree>
     <p:extLst>
       <p:ext uri="{BB962C8B-B14F-4D97-AF65-F5344CB8AC3E}">
-        <p14:creationId xmlns:p14="http://schemas.microsoft.com/office/powerpoint/2010/main" val="2214837227"/>
+        <p14:creationId xmlns:p14="http://schemas.microsoft.com/office/powerpoint/2010/main" val="4019770907"/>
       </p:ext>
     </p:extLst>
   </p:cSld>
@@ -3294,11 +3296,7 @@
           <a:p>
             <a:r>
               <a:rPr lang="en-US" dirty="0" smtClean="0"/>
-              <a:t>Page </a:t>
-            </a:r>
-            <a:r>
-              <a:rPr lang="en-US" dirty="0" err="1" smtClean="0"/>
-              <a:t>Ojbects</a:t>
+              <a:t>Firefox profiles</a:t>
             </a:r>
             <a:endParaRPr lang="en-US" dirty="0"/>
           </a:p>
@@ -3319,14 +3317,27 @@
           <a:bodyPr/>
           <a:lstStyle/>
           <a:p>
-            <a:endParaRPr lang="en-US"/>
+            <a:r>
+              <a:rPr lang="en-US" dirty="0" smtClean="0"/>
+              <a:t>Using premade one</a:t>
+            </a:r>
+          </a:p>
+          <a:p>
+            <a:r>
+              <a:rPr lang="en-US" dirty="0" smtClean="0"/>
+              <a:t>Setting up profile</a:t>
+            </a:r>
+            <a:r>
+              <a:rPr lang="en-US" baseline="0" dirty="0" smtClean="0"/>
+              <a:t> on the fly</a:t>
+            </a:r>
           </a:p>
         </p:txBody>
       </p:sp>
     </p:spTree>
     <p:extLst>
       <p:ext uri="{BB962C8B-B14F-4D97-AF65-F5344CB8AC3E}">
-        <p14:creationId xmlns:p14="http://schemas.microsoft.com/office/powerpoint/2010/main" val="1599785644"/>
+        <p14:creationId xmlns:p14="http://schemas.microsoft.com/office/powerpoint/2010/main" val="4176484201"/>
       </p:ext>
     </p:extLst>
   </p:cSld>
@@ -3370,6 +3381,507 @@
           <a:p>
             <a:r>
               <a:rPr lang="en-US" dirty="0" smtClean="0"/>
+              <a:t>Auto</a:t>
+            </a:r>
+            <a:r>
+              <a:rPr lang="en-US" baseline="0" dirty="0" smtClean="0"/>
+              <a:t> download file to directory</a:t>
+            </a:r>
+            <a:endParaRPr lang="en-US" dirty="0"/>
+          </a:p>
+        </p:txBody>
+      </p:sp>
+      <p:sp>
+        <p:nvSpPr>
+          <p:cNvPr id="3" name="Content Placeholder 2"/>
+          <p:cNvSpPr>
+            <a:spLocks noGrp="1"/>
+          </p:cNvSpPr>
+          <p:nvPr>
+            <p:ph idx="1"/>
+          </p:nvPr>
+        </p:nvSpPr>
+        <p:spPr/>
+        <p:txBody>
+          <a:bodyPr/>
+          <a:lstStyle/>
+          <a:p>
+            <a:r>
+              <a:rPr lang="en-US" dirty="0" smtClean="0"/>
+              <a:t>Selenium profile settings</a:t>
+            </a:r>
+          </a:p>
+        </p:txBody>
+      </p:sp>
+    </p:spTree>
+    <p:extLst>
+      <p:ext uri="{BB962C8B-B14F-4D97-AF65-F5344CB8AC3E}">
+        <p14:creationId xmlns:p14="http://schemas.microsoft.com/office/powerpoint/2010/main" val="2107096134"/>
+      </p:ext>
+    </p:extLst>
+  </p:cSld>
+  <p:clrMapOvr>
+    <a:masterClrMapping/>
+  </p:clrMapOvr>
+</p:sld>
+</file>
+
+<file path=ppt/slides/slide13.xml><?xml version="1.0" encoding="utf-8"?>
+<p:sld xmlns:a="http://schemas.openxmlformats.org/drawingml/2006/main" xmlns:r="http://schemas.openxmlformats.org/officeDocument/2006/relationships" xmlns:p="http://schemas.openxmlformats.org/presentationml/2006/main">
+  <p:cSld>
+    <p:spTree>
+      <p:nvGrpSpPr>
+        <p:cNvPr id="1" name=""/>
+        <p:cNvGrpSpPr/>
+        <p:nvPr/>
+      </p:nvGrpSpPr>
+      <p:grpSpPr>
+        <a:xfrm>
+          <a:off x="0" y="0"/>
+          <a:ext cx="0" cy="0"/>
+          <a:chOff x="0" y="0"/>
+          <a:chExt cx="0" cy="0"/>
+        </a:xfrm>
+      </p:grpSpPr>
+      <p:sp>
+        <p:nvSpPr>
+          <p:cNvPr id="2" name="Title 1"/>
+          <p:cNvSpPr>
+            <a:spLocks noGrp="1"/>
+          </p:cNvSpPr>
+          <p:nvPr>
+            <p:ph type="title"/>
+          </p:nvPr>
+        </p:nvSpPr>
+        <p:spPr/>
+        <p:txBody>
+          <a:bodyPr/>
+          <a:lstStyle/>
+          <a:p>
+            <a:r>
+              <a:rPr lang="en-US" dirty="0" smtClean="0"/>
+              <a:t>Parsing</a:t>
+            </a:r>
+            <a:r>
+              <a:rPr lang="en-US" baseline="0" dirty="0" smtClean="0"/>
+              <a:t> PDF</a:t>
+            </a:r>
+            <a:endParaRPr lang="en-US" dirty="0"/>
+          </a:p>
+        </p:txBody>
+      </p:sp>
+      <p:sp>
+        <p:nvSpPr>
+          <p:cNvPr id="3" name="Content Placeholder 2"/>
+          <p:cNvSpPr>
+            <a:spLocks noGrp="1"/>
+          </p:cNvSpPr>
+          <p:nvPr>
+            <p:ph idx="1"/>
+          </p:nvPr>
+        </p:nvSpPr>
+        <p:spPr/>
+        <p:txBody>
+          <a:bodyPr/>
+          <a:lstStyle/>
+          <a:p>
+            <a:r>
+              <a:rPr lang="en-US" dirty="0" smtClean="0"/>
+              <a:t>Using it in mid-selenium test</a:t>
+            </a:r>
+            <a:endParaRPr lang="en-US" dirty="0"/>
+          </a:p>
+        </p:txBody>
+      </p:sp>
+    </p:spTree>
+    <p:extLst>
+      <p:ext uri="{BB962C8B-B14F-4D97-AF65-F5344CB8AC3E}">
+        <p14:creationId xmlns:p14="http://schemas.microsoft.com/office/powerpoint/2010/main" val="3543929356"/>
+      </p:ext>
+    </p:extLst>
+  </p:cSld>
+  <p:clrMapOvr>
+    <a:masterClrMapping/>
+  </p:clrMapOvr>
+</p:sld>
+</file>
+
+<file path=ppt/slides/slide14.xml><?xml version="1.0" encoding="utf-8"?>
+<p:sld xmlns:a="http://schemas.openxmlformats.org/drawingml/2006/main" xmlns:r="http://schemas.openxmlformats.org/officeDocument/2006/relationships" xmlns:p="http://schemas.openxmlformats.org/presentationml/2006/main">
+  <p:cSld>
+    <p:spTree>
+      <p:nvGrpSpPr>
+        <p:cNvPr id="1" name=""/>
+        <p:cNvGrpSpPr/>
+        <p:nvPr/>
+      </p:nvGrpSpPr>
+      <p:grpSpPr>
+        <a:xfrm>
+          <a:off x="0" y="0"/>
+          <a:ext cx="0" cy="0"/>
+          <a:chOff x="0" y="0"/>
+          <a:chExt cx="0" cy="0"/>
+        </a:xfrm>
+      </p:grpSpPr>
+      <p:sp>
+        <p:nvSpPr>
+          <p:cNvPr id="2" name="Title 1"/>
+          <p:cNvSpPr>
+            <a:spLocks noGrp="1"/>
+          </p:cNvSpPr>
+          <p:nvPr>
+            <p:ph type="title"/>
+          </p:nvPr>
+        </p:nvSpPr>
+        <p:spPr/>
+        <p:txBody>
+          <a:bodyPr/>
+          <a:lstStyle/>
+          <a:p>
+            <a:r>
+              <a:rPr lang="en-US" dirty="0" smtClean="0"/>
+              <a:t>Headless Tests</a:t>
+            </a:r>
+            <a:endParaRPr lang="en-US" dirty="0"/>
+          </a:p>
+        </p:txBody>
+      </p:sp>
+      <p:sp>
+        <p:nvSpPr>
+          <p:cNvPr id="3" name="Content Placeholder 2"/>
+          <p:cNvSpPr>
+            <a:spLocks noGrp="1"/>
+          </p:cNvSpPr>
+          <p:nvPr>
+            <p:ph idx="1"/>
+          </p:nvPr>
+        </p:nvSpPr>
+        <p:spPr/>
+        <p:txBody>
+          <a:bodyPr/>
+          <a:lstStyle/>
+          <a:p>
+            <a:r>
+              <a:rPr lang="en-US" dirty="0" smtClean="0"/>
+              <a:t>Firefox Headless</a:t>
+            </a:r>
+          </a:p>
+          <a:p>
+            <a:r>
+              <a:rPr lang="en-US" dirty="0" smtClean="0"/>
+              <a:t>QT</a:t>
+            </a:r>
+            <a:r>
+              <a:rPr lang="en-US" baseline="0" dirty="0" smtClean="0"/>
+              <a:t> headless</a:t>
+            </a:r>
+            <a:endParaRPr lang="en-US" dirty="0"/>
+          </a:p>
+        </p:txBody>
+      </p:sp>
+    </p:spTree>
+    <p:extLst>
+      <p:ext uri="{BB962C8B-B14F-4D97-AF65-F5344CB8AC3E}">
+        <p14:creationId xmlns:p14="http://schemas.microsoft.com/office/powerpoint/2010/main" val="812875454"/>
+      </p:ext>
+    </p:extLst>
+  </p:cSld>
+  <p:clrMapOvr>
+    <a:masterClrMapping/>
+  </p:clrMapOvr>
+</p:sld>
+</file>
+
+<file path=ppt/slides/slide15.xml><?xml version="1.0" encoding="utf-8"?>
+<p:sld xmlns:a="http://schemas.openxmlformats.org/drawingml/2006/main" xmlns:r="http://schemas.openxmlformats.org/officeDocument/2006/relationships" xmlns:p="http://schemas.openxmlformats.org/presentationml/2006/main">
+  <p:cSld>
+    <p:spTree>
+      <p:nvGrpSpPr>
+        <p:cNvPr id="1" name=""/>
+        <p:cNvGrpSpPr/>
+        <p:nvPr/>
+      </p:nvGrpSpPr>
+      <p:grpSpPr>
+        <a:xfrm>
+          <a:off x="0" y="0"/>
+          <a:ext cx="0" cy="0"/>
+          <a:chOff x="0" y="0"/>
+          <a:chExt cx="0" cy="0"/>
+        </a:xfrm>
+      </p:grpSpPr>
+      <p:sp>
+        <p:nvSpPr>
+          <p:cNvPr id="2" name="Title 1"/>
+          <p:cNvSpPr>
+            <a:spLocks noGrp="1"/>
+          </p:cNvSpPr>
+          <p:nvPr>
+            <p:ph type="title"/>
+          </p:nvPr>
+        </p:nvSpPr>
+        <p:spPr/>
+        <p:txBody>
+          <a:bodyPr/>
+          <a:lstStyle/>
+          <a:p>
+            <a:r>
+              <a:rPr lang="en-US" dirty="0" smtClean="0"/>
+              <a:t>Parallel</a:t>
+            </a:r>
+            <a:endParaRPr lang="en-US" dirty="0"/>
+          </a:p>
+        </p:txBody>
+      </p:sp>
+      <p:sp>
+        <p:nvSpPr>
+          <p:cNvPr id="3" name="Content Placeholder 2"/>
+          <p:cNvSpPr>
+            <a:spLocks noGrp="1"/>
+          </p:cNvSpPr>
+          <p:nvPr>
+            <p:ph idx="1"/>
+          </p:nvPr>
+        </p:nvSpPr>
+        <p:spPr/>
+        <p:txBody>
+          <a:bodyPr/>
+          <a:lstStyle/>
+          <a:p>
+            <a:r>
+              <a:rPr lang="en-US" dirty="0" smtClean="0"/>
+              <a:t>Using</a:t>
+            </a:r>
+            <a:r>
+              <a:rPr lang="en-US" baseline="0" dirty="0" smtClean="0"/>
+              <a:t> fork</a:t>
+            </a:r>
+          </a:p>
+          <a:p>
+            <a:r>
+              <a:rPr lang="en-US" baseline="0" dirty="0" smtClean="0"/>
+              <a:t>Using </a:t>
+            </a:r>
+            <a:r>
+              <a:rPr lang="en-US" baseline="0" dirty="0" err="1" smtClean="0"/>
+              <a:t>parallel_tests</a:t>
+            </a:r>
+            <a:r>
+              <a:rPr lang="en-US" baseline="0" dirty="0" smtClean="0"/>
+              <a:t> gem</a:t>
+            </a:r>
+          </a:p>
+        </p:txBody>
+      </p:sp>
+    </p:spTree>
+    <p:extLst>
+      <p:ext uri="{BB962C8B-B14F-4D97-AF65-F5344CB8AC3E}">
+        <p14:creationId xmlns:p14="http://schemas.microsoft.com/office/powerpoint/2010/main" val="3109283922"/>
+      </p:ext>
+    </p:extLst>
+  </p:cSld>
+  <p:clrMapOvr>
+    <a:masterClrMapping/>
+  </p:clrMapOvr>
+</p:sld>
+</file>
+
+<file path=ppt/slides/slide16.xml><?xml version="1.0" encoding="utf-8"?>
+<p:sld xmlns:a="http://schemas.openxmlformats.org/drawingml/2006/main" xmlns:r="http://schemas.openxmlformats.org/officeDocument/2006/relationships" xmlns:p="http://schemas.openxmlformats.org/presentationml/2006/main">
+  <p:cSld>
+    <p:spTree>
+      <p:nvGrpSpPr>
+        <p:cNvPr id="1" name=""/>
+        <p:cNvGrpSpPr/>
+        <p:nvPr/>
+      </p:nvGrpSpPr>
+      <p:grpSpPr>
+        <a:xfrm>
+          <a:off x="0" y="0"/>
+          <a:ext cx="0" cy="0"/>
+          <a:chOff x="0" y="0"/>
+          <a:chExt cx="0" cy="0"/>
+        </a:xfrm>
+      </p:grpSpPr>
+      <p:sp>
+        <p:nvSpPr>
+          <p:cNvPr id="2" name="Title 1"/>
+          <p:cNvSpPr>
+            <a:spLocks noGrp="1"/>
+          </p:cNvSpPr>
+          <p:nvPr>
+            <p:ph type="title"/>
+          </p:nvPr>
+        </p:nvSpPr>
+        <p:spPr/>
+        <p:txBody>
+          <a:bodyPr/>
+          <a:lstStyle/>
+          <a:p>
+            <a:r>
+              <a:rPr lang="en-US" dirty="0" smtClean="0"/>
+              <a:t>Sauce</a:t>
+            </a:r>
+            <a:endParaRPr lang="en-US" dirty="0"/>
+          </a:p>
+        </p:txBody>
+      </p:sp>
+      <p:sp>
+        <p:nvSpPr>
+          <p:cNvPr id="3" name="Content Placeholder 2"/>
+          <p:cNvSpPr>
+            <a:spLocks noGrp="1"/>
+          </p:cNvSpPr>
+          <p:nvPr>
+            <p:ph idx="1"/>
+          </p:nvPr>
+        </p:nvSpPr>
+        <p:spPr/>
+        <p:txBody>
+          <a:bodyPr/>
+          <a:lstStyle/>
+          <a:p>
+            <a:r>
+              <a:rPr lang="en-US" dirty="0" smtClean="0"/>
+              <a:t>How sauce works</a:t>
+            </a:r>
+          </a:p>
+          <a:p>
+            <a:r>
+              <a:rPr lang="en-US" dirty="0" smtClean="0"/>
+              <a:t>Connection snippet</a:t>
+            </a:r>
+          </a:p>
+          <a:p>
+            <a:r>
+              <a:rPr lang="en-US" dirty="0" smtClean="0"/>
+              <a:t>Test run snippet</a:t>
+            </a:r>
+          </a:p>
+        </p:txBody>
+      </p:sp>
+    </p:spTree>
+    <p:extLst>
+      <p:ext uri="{BB962C8B-B14F-4D97-AF65-F5344CB8AC3E}">
+        <p14:creationId xmlns:p14="http://schemas.microsoft.com/office/powerpoint/2010/main" val="2214837227"/>
+      </p:ext>
+    </p:extLst>
+  </p:cSld>
+  <p:clrMapOvr>
+    <a:masterClrMapping/>
+  </p:clrMapOvr>
+</p:sld>
+</file>
+
+<file path=ppt/slides/slide17.xml><?xml version="1.0" encoding="utf-8"?>
+<p:sld xmlns:a="http://schemas.openxmlformats.org/drawingml/2006/main" xmlns:r="http://schemas.openxmlformats.org/officeDocument/2006/relationships" xmlns:p="http://schemas.openxmlformats.org/presentationml/2006/main">
+  <p:cSld>
+    <p:spTree>
+      <p:nvGrpSpPr>
+        <p:cNvPr id="1" name=""/>
+        <p:cNvGrpSpPr/>
+        <p:nvPr/>
+      </p:nvGrpSpPr>
+      <p:grpSpPr>
+        <a:xfrm>
+          <a:off x="0" y="0"/>
+          <a:ext cx="0" cy="0"/>
+          <a:chOff x="0" y="0"/>
+          <a:chExt cx="0" cy="0"/>
+        </a:xfrm>
+      </p:grpSpPr>
+      <p:sp>
+        <p:nvSpPr>
+          <p:cNvPr id="2" name="Title 1"/>
+          <p:cNvSpPr>
+            <a:spLocks noGrp="1"/>
+          </p:cNvSpPr>
+          <p:nvPr>
+            <p:ph type="title"/>
+          </p:nvPr>
+        </p:nvSpPr>
+        <p:spPr/>
+        <p:txBody>
+          <a:bodyPr/>
+          <a:lstStyle/>
+          <a:p>
+            <a:r>
+              <a:rPr lang="en-US" dirty="0" smtClean="0"/>
+              <a:t>Page </a:t>
+            </a:r>
+            <a:r>
+              <a:rPr lang="en-US" dirty="0" err="1" smtClean="0"/>
+              <a:t>Ojbects</a:t>
+            </a:r>
+            <a:endParaRPr lang="en-US" dirty="0"/>
+          </a:p>
+        </p:txBody>
+      </p:sp>
+      <p:sp>
+        <p:nvSpPr>
+          <p:cNvPr id="3" name="Content Placeholder 2"/>
+          <p:cNvSpPr>
+            <a:spLocks noGrp="1"/>
+          </p:cNvSpPr>
+          <p:nvPr>
+            <p:ph idx="1"/>
+          </p:nvPr>
+        </p:nvSpPr>
+        <p:spPr/>
+        <p:txBody>
+          <a:bodyPr/>
+          <a:lstStyle/>
+          <a:p>
+            <a:endParaRPr lang="en-US"/>
+          </a:p>
+        </p:txBody>
+      </p:sp>
+    </p:spTree>
+    <p:extLst>
+      <p:ext uri="{BB962C8B-B14F-4D97-AF65-F5344CB8AC3E}">
+        <p14:creationId xmlns:p14="http://schemas.microsoft.com/office/powerpoint/2010/main" val="1599785644"/>
+      </p:ext>
+    </p:extLst>
+  </p:cSld>
+  <p:clrMapOvr>
+    <a:masterClrMapping/>
+  </p:clrMapOvr>
+</p:sld>
+</file>
+
+<file path=ppt/slides/slide18.xml><?xml version="1.0" encoding="utf-8"?>
+<p:sld xmlns:a="http://schemas.openxmlformats.org/drawingml/2006/main" xmlns:r="http://schemas.openxmlformats.org/officeDocument/2006/relationships" xmlns:p="http://schemas.openxmlformats.org/presentationml/2006/main">
+  <p:cSld>
+    <p:spTree>
+      <p:nvGrpSpPr>
+        <p:cNvPr id="1" name=""/>
+        <p:cNvGrpSpPr/>
+        <p:nvPr/>
+      </p:nvGrpSpPr>
+      <p:grpSpPr>
+        <a:xfrm>
+          <a:off x="0" y="0"/>
+          <a:ext cx="0" cy="0"/>
+          <a:chOff x="0" y="0"/>
+          <a:chExt cx="0" cy="0"/>
+        </a:xfrm>
+      </p:grpSpPr>
+      <p:sp>
+        <p:nvSpPr>
+          <p:cNvPr id="2" name="Title 1"/>
+          <p:cNvSpPr>
+            <a:spLocks noGrp="1"/>
+          </p:cNvSpPr>
+          <p:nvPr>
+            <p:ph type="title"/>
+          </p:nvPr>
+        </p:nvSpPr>
+        <p:spPr/>
+        <p:txBody>
+          <a:bodyPr/>
+          <a:lstStyle/>
+          <a:p>
+            <a:r>
+              <a:rPr lang="en-US" dirty="0" smtClean="0"/>
               <a:t>Selectors</a:t>
             </a:r>
             <a:endParaRPr lang="en-US" dirty="0"/>
@@ -3412,7 +3924,7 @@
 </p:sld>
 </file>
 
-<file path=ppt/slides/slide13.xml><?xml version="1.0" encoding="utf-8"?>
+<file path=ppt/slides/slide19.xml><?xml version="1.0" encoding="utf-8"?>
 <p:sld xmlns:a="http://schemas.openxmlformats.org/drawingml/2006/main" xmlns:r="http://schemas.openxmlformats.org/officeDocument/2006/relationships" xmlns:p="http://schemas.openxmlformats.org/presentationml/2006/main">
   <p:cSld>
     <p:spTree>
@@ -3554,41 +4066,23 @@
           <a:p>
             <a:r>
               <a:rPr lang="en-US" dirty="0" smtClean="0"/>
-              <a:t>Why</a:t>
+              <a:t>More web</a:t>
             </a:r>
             <a:r>
               <a:rPr lang="en-US" baseline="0" dirty="0" smtClean="0"/>
-              <a:t> test fail</a:t>
+              <a:t> applications use AJAX to load content</a:t>
             </a:r>
           </a:p>
           <a:p>
             <a:r>
               <a:rPr lang="en-US" baseline="0" dirty="0" smtClean="0"/>
-              <a:t>Selenium “Execute Script”</a:t>
-            </a:r>
-          </a:p>
-          <a:p>
-            <a:r>
-              <a:rPr lang="en-US" baseline="0" dirty="0" err="1" smtClean="0"/>
-              <a:t>jQuery</a:t>
-            </a:r>
+              <a:t>Selenium is not very smart about AJAX</a:t>
+            </a:r>
+          </a:p>
+          <a:p>
             <a:r>
               <a:rPr lang="en-US" baseline="0" dirty="0" smtClean="0"/>
-              <a:t> example</a:t>
-            </a:r>
-          </a:p>
-          <a:p>
-            <a:r>
-              <a:rPr lang="en-US" baseline="0" dirty="0" smtClean="0"/>
-              <a:t>Dojo, prototype, </a:t>
-            </a:r>
-            <a:r>
-              <a:rPr lang="en-US" baseline="0" dirty="0" err="1" smtClean="0"/>
-              <a:t>etc</a:t>
-            </a:r>
-            <a:r>
-              <a:rPr lang="en-US" baseline="0" dirty="0" smtClean="0"/>
-              <a:t> example</a:t>
+              <a:t>You need to add your own wait for AJAX method</a:t>
             </a:r>
             <a:endParaRPr lang="en-US" dirty="0"/>
           </a:p>
@@ -3641,7 +4135,7 @@
           <a:p>
             <a:r>
               <a:rPr lang="en-US" dirty="0" smtClean="0"/>
-              <a:t>Screenshot on Failure</a:t>
+              <a:t>Methods we will Use</a:t>
             </a:r>
             <a:endParaRPr lang="en-US" dirty="0"/>
           </a:p>
@@ -3659,27 +4153,92 @@
         </p:nvSpPr>
         <p:spPr/>
         <p:txBody>
-          <a:bodyPr/>
+          <a:bodyPr>
+            <a:normAutofit fontScale="92500" lnSpcReduction="10000"/>
+          </a:bodyPr>
           <a:lstStyle/>
           <a:p>
             <a:r>
               <a:rPr lang="en-US" dirty="0" smtClean="0"/>
-              <a:t>Code to take screenshot</a:t>
-            </a:r>
-          </a:p>
-          <a:p>
+              <a:t>Selenium 1</a:t>
+            </a:r>
+          </a:p>
+          <a:p>
+            <a:pPr lvl="1"/>
             <a:r>
               <a:rPr lang="en-US" dirty="0" smtClean="0"/>
-              <a:t>Example of inserting screenshot into cucumber HTML report</a:t>
-            </a:r>
-            <a:endParaRPr lang="en-US" dirty="0"/>
+              <a:t>Ruby</a:t>
+            </a:r>
+          </a:p>
+          <a:p>
+            <a:pPr lvl="2"/>
+            <a:r>
+              <a:rPr lang="en-US" dirty="0" smtClean="0"/>
+              <a:t>w</a:t>
+            </a:r>
+            <a:r>
+              <a:rPr lang="pl-PL" dirty="0" err="1" smtClean="0"/>
+              <a:t>ait_for_condition</a:t>
+            </a:r>
+            <a:endParaRPr lang="en-US" dirty="0" smtClean="0"/>
+          </a:p>
+          <a:p>
+            <a:pPr lvl="1"/>
+            <a:r>
+              <a:rPr lang="en-US" dirty="0" smtClean="0"/>
+              <a:t>Java</a:t>
+            </a:r>
+          </a:p>
+          <a:p>
+            <a:pPr lvl="2"/>
+            <a:r>
+              <a:rPr lang="pl-PL" dirty="0" err="1" smtClean="0"/>
+              <a:t>waitForCondition</a:t>
+            </a:r>
+            <a:endParaRPr lang="en-US" dirty="0" smtClean="0"/>
+          </a:p>
+          <a:p>
+            <a:r>
+              <a:rPr lang="en-US" dirty="0" smtClean="0"/>
+              <a:t>Selenium 2</a:t>
+            </a:r>
+          </a:p>
+          <a:p>
+            <a:pPr lvl="1"/>
+            <a:r>
+              <a:rPr lang="en-US" dirty="0" smtClean="0"/>
+              <a:t>Ruby</a:t>
+            </a:r>
+          </a:p>
+          <a:p>
+            <a:pPr lvl="2"/>
+            <a:r>
+              <a:rPr lang="en-US" dirty="0" err="1" smtClean="0"/>
+              <a:t>execute_script</a:t>
+            </a:r>
+            <a:endParaRPr lang="en-US" dirty="0" smtClean="0"/>
+          </a:p>
+          <a:p>
+            <a:pPr lvl="1"/>
+            <a:r>
+              <a:rPr lang="en-US" dirty="0" smtClean="0"/>
+              <a:t>Java</a:t>
+            </a:r>
+          </a:p>
+          <a:p>
+            <a:pPr lvl="2"/>
+            <a:r>
+              <a:rPr lang="en-US" dirty="0" err="1" smtClean="0"/>
+              <a:t>executeScript</a:t>
+            </a:r>
+            <a:endParaRPr lang="en-US" dirty="0" smtClean="0"/>
           </a:p>
         </p:txBody>
       </p:sp>
     </p:spTree>
     <p:extLst>
       <p:ext uri="{BB962C8B-B14F-4D97-AF65-F5344CB8AC3E}">
-        <p14:creationId xmlns:p14="http://schemas.microsoft.com/office/powerpoint/2010/main" val="4281961367"/>
+        <p14:creationId xmlns:p14="http://schemas.microsoft.com/office/powerpoint/2010/main" val="2206474240"/>
       </p:ext>
     </p:extLst>
   </p:cSld>
@@ -3723,11 +4282,7 @@
           <a:p>
             <a:r>
               <a:rPr lang="en-US" dirty="0" smtClean="0"/>
-              <a:t>Video</a:t>
-            </a:r>
-            <a:r>
-              <a:rPr lang="en-US" baseline="0" dirty="0" smtClean="0"/>
-              <a:t> Capture of test</a:t>
+              <a:t>Selenium 1</a:t>
             </a:r>
             <a:endParaRPr lang="en-US" dirty="0"/>
           </a:p>
@@ -3748,13 +4303,189 @@
           <a:bodyPr/>
           <a:lstStyle/>
           <a:p>
+            <a:pPr marL="342900" marR="0" lvl="0" indent="-342900" algn="l" defTabSz="914400" rtl="0" eaLnBrk="1" fontAlgn="auto" latinLnBrk="0" hangingPunct="1">
+              <a:lnSpc>
+                <a:spcPct val="100000"/>
+              </a:lnSpc>
+              <a:spcBef>
+                <a:spcPct val="20000"/>
+              </a:spcBef>
+              <a:spcAft>
+                <a:spcPts val="0"/>
+              </a:spcAft>
+              <a:buClrTx/>
+              <a:buSzTx/>
+              <a:buFont typeface="Arial" pitchFamily="34" charset="0"/>
+              <a:buChar char="•"/>
+              <a:tabLst/>
+              <a:defRPr/>
+            </a:pPr>
+            <a:r>
+              <a:rPr lang="pl-PL" sz="3200" kern="1200" dirty="0" smtClean="0">
+                <a:solidFill>
+                  <a:schemeClr val="tx1"/>
+                </a:solidFill>
+                <a:effectLst/>
+                <a:latin typeface="+mn-lt"/>
+                <a:ea typeface="+mn-ea"/>
+                <a:cs typeface="+mn-cs"/>
+              </a:rPr>
+              <a:t>To </a:t>
+            </a:r>
+            <a:r>
+              <a:rPr lang="pl-PL" sz="3200" kern="1200" dirty="0" err="1" smtClean="0">
+                <a:solidFill>
+                  <a:schemeClr val="tx1"/>
+                </a:solidFill>
+                <a:effectLst/>
+                <a:latin typeface="+mn-lt"/>
+                <a:ea typeface="+mn-ea"/>
+                <a:cs typeface="+mn-cs"/>
+              </a:rPr>
+              <a:t>get</a:t>
+            </a:r>
+            <a:r>
+              <a:rPr lang="pl-PL" sz="3200" kern="1200" dirty="0" smtClean="0">
+                <a:solidFill>
+                  <a:schemeClr val="tx1"/>
+                </a:solidFill>
+                <a:effectLst/>
+                <a:latin typeface="+mn-lt"/>
+                <a:ea typeface="+mn-ea"/>
+                <a:cs typeface="+mn-cs"/>
+              </a:rPr>
+              <a:t> to </a:t>
+            </a:r>
+            <a:r>
+              <a:rPr lang="pl-PL" sz="3200" kern="1200" dirty="0" err="1" smtClean="0">
+                <a:solidFill>
+                  <a:schemeClr val="tx1"/>
+                </a:solidFill>
+                <a:effectLst/>
+                <a:latin typeface="+mn-lt"/>
+                <a:ea typeface="+mn-ea"/>
+                <a:cs typeface="+mn-cs"/>
+              </a:rPr>
+              <a:t>current</a:t>
+            </a:r>
+            <a:r>
+              <a:rPr lang="pl-PL" sz="3200" kern="1200" dirty="0" smtClean="0">
+                <a:solidFill>
+                  <a:schemeClr val="tx1"/>
+                </a:solidFill>
+                <a:effectLst/>
+                <a:latin typeface="+mn-lt"/>
+                <a:ea typeface="+mn-ea"/>
+                <a:cs typeface="+mn-cs"/>
+              </a:rPr>
+              <a:t> </a:t>
+            </a:r>
+            <a:r>
+              <a:rPr lang="pl-PL" sz="3200" kern="1200" dirty="0" err="1" smtClean="0">
+                <a:solidFill>
+                  <a:schemeClr val="tx1"/>
+                </a:solidFill>
+                <a:effectLst/>
+                <a:latin typeface="+mn-lt"/>
+                <a:ea typeface="+mn-ea"/>
+                <a:cs typeface="+mn-cs"/>
+              </a:rPr>
+              <a:t>window</a:t>
+            </a:r>
+            <a:r>
+              <a:rPr lang="pl-PL" sz="3200" kern="1200" dirty="0" smtClean="0">
+                <a:solidFill>
+                  <a:schemeClr val="tx1"/>
+                </a:solidFill>
+                <a:effectLst/>
+                <a:latin typeface="+mn-lt"/>
+                <a:ea typeface="+mn-ea"/>
+                <a:cs typeface="+mn-cs"/>
+              </a:rPr>
+              <a:t> DOM</a:t>
+            </a:r>
+          </a:p>
+          <a:p>
+            <a:pPr marL="742950" marR="0" lvl="1" indent="-342900" algn="l" defTabSz="914400" rtl="0" eaLnBrk="1" fontAlgn="auto" latinLnBrk="0" hangingPunct="1">
+              <a:lnSpc>
+                <a:spcPct val="100000"/>
+              </a:lnSpc>
+              <a:spcBef>
+                <a:spcPct val="20000"/>
+              </a:spcBef>
+              <a:spcAft>
+                <a:spcPts val="0"/>
+              </a:spcAft>
+              <a:buClrTx/>
+              <a:buSzTx/>
+              <a:buFont typeface="Arial" pitchFamily="34" charset="0"/>
+              <a:buChar char="•"/>
+              <a:tabLst/>
+              <a:defRPr/>
+            </a:pPr>
+            <a:r>
+              <a:rPr lang="pl-PL" sz="2800" kern="1200" baseline="0" dirty="0" err="1" smtClean="0">
+                <a:solidFill>
+                  <a:schemeClr val="tx1"/>
+                </a:solidFill>
+                <a:effectLst/>
+                <a:latin typeface="+mn-lt"/>
+                <a:ea typeface="+mn-ea"/>
+                <a:cs typeface="+mn-cs"/>
+              </a:rPr>
+              <a:t>selenium.browserbot.getCurrentWindow</a:t>
+            </a:r>
+            <a:r>
+              <a:rPr lang="pl-PL" sz="2800" kern="1200" baseline="0" dirty="0" smtClean="0">
+                <a:solidFill>
+                  <a:schemeClr val="tx1"/>
+                </a:solidFill>
+                <a:effectLst/>
+                <a:latin typeface="+mn-lt"/>
+                <a:ea typeface="+mn-ea"/>
+                <a:cs typeface="+mn-cs"/>
+              </a:rPr>
+              <a:t>()</a:t>
+            </a:r>
+            <a:r>
+              <a:rPr lang="pl-PL" dirty="0" smtClean="0"/>
+              <a:t> </a:t>
+            </a:r>
+            <a:endParaRPr lang="pl-PL" sz="2800" dirty="0" smtClean="0">
+              <a:effectLst/>
+            </a:endParaRPr>
+          </a:p>
+          <a:p>
+            <a:endParaRPr lang="en-US" dirty="0" smtClean="0"/>
+          </a:p>
+          <a:p>
             <a:r>
               <a:rPr lang="en-US" dirty="0" smtClean="0"/>
-              <a:t>Code</a:t>
-            </a:r>
-            <a:r>
-              <a:rPr lang="en-US" baseline="0" dirty="0" smtClean="0"/>
-              <a:t> snippet to record video</a:t>
+              <a:t>Condition example for </a:t>
+            </a:r>
+            <a:r>
+              <a:rPr lang="en-US" dirty="0" err="1" smtClean="0"/>
+              <a:t>jQuery</a:t>
+            </a:r>
+            <a:endParaRPr lang="en-US" dirty="0" smtClean="0"/>
+          </a:p>
+          <a:p>
+            <a:pPr lvl="1"/>
+            <a:r>
+              <a:rPr lang="pl-PL" i="1" dirty="0" err="1" smtClean="0"/>
+              <a:t>selenium.browserbot.getCurrentWindow</a:t>
+            </a:r>
+            <a:r>
+              <a:rPr lang="pl-PL" i="1" dirty="0" smtClean="0"/>
+              <a:t>().</a:t>
+            </a:r>
+            <a:r>
+              <a:rPr lang="pl-PL" i="1" dirty="0" err="1" smtClean="0"/>
+              <a:t>jQuery.active</a:t>
+            </a:r>
+            <a:r>
+              <a:rPr lang="pl-PL" i="1" dirty="0" smtClean="0"/>
+              <a:t> == 0</a:t>
             </a:r>
           </a:p>
         </p:txBody>
@@ -3762,7 +4493,7 @@
     </p:spTree>
     <p:extLst>
       <p:ext uri="{BB962C8B-B14F-4D97-AF65-F5344CB8AC3E}">
-        <p14:creationId xmlns:p14="http://schemas.microsoft.com/office/powerpoint/2010/main" val="4019770907"/>
+        <p14:creationId xmlns:p14="http://schemas.microsoft.com/office/powerpoint/2010/main" val="1577805461"/>
       </p:ext>
     </p:extLst>
   </p:cSld>
@@ -3806,7 +4537,7 @@
           <a:p>
             <a:r>
               <a:rPr lang="en-US" dirty="0" smtClean="0"/>
-              <a:t>Firefox profiles</a:t>
+              <a:t>Selenium 2</a:t>
             </a:r>
             <a:endParaRPr lang="en-US" dirty="0"/>
           </a:p>
@@ -3828,26 +4559,64 @@
           <a:lstStyle/>
           <a:p>
             <a:r>
+              <a:rPr lang="en-US" dirty="0" err="1" smtClean="0"/>
+              <a:t>execute_script</a:t>
+            </a:r>
+            <a:r>
               <a:rPr lang="en-US" dirty="0" smtClean="0"/>
-              <a:t>Using premade one</a:t>
+              <a:t> already execute on the DOM</a:t>
             </a:r>
           </a:p>
           <a:p>
             <a:r>
               <a:rPr lang="en-US" dirty="0" smtClean="0"/>
-              <a:t>Setting up profile</a:t>
+              <a:t>Example</a:t>
+            </a:r>
+          </a:p>
+          <a:p>
+            <a:pPr lvl="1"/>
+            <a:r>
+              <a:rPr lang="en-US" dirty="0" err="1" smtClean="0"/>
+              <a:t>selenium.execute_script</a:t>
+            </a:r>
+            <a:r>
+              <a:rPr lang="en-US" dirty="0" smtClean="0"/>
+              <a:t>("return </a:t>
+            </a:r>
+            <a:r>
+              <a:rPr lang="en-US" dirty="0" err="1" smtClean="0"/>
+              <a:t>jQuery.active</a:t>
+            </a:r>
+            <a:r>
+              <a:rPr lang="en-US" dirty="0" smtClean="0"/>
+              <a:t>”)</a:t>
+            </a:r>
+          </a:p>
+          <a:p>
+            <a:pPr lvl="1"/>
+            <a:r>
+              <a:rPr lang="en-US" dirty="0" smtClean="0"/>
+              <a:t>Returns</a:t>
             </a:r>
             <a:r>
               <a:rPr lang="en-US" baseline="0" dirty="0" smtClean="0"/>
-              <a:t> on the fly</a:t>
-            </a:r>
+              <a:t> integer</a:t>
+            </a:r>
+          </a:p>
+          <a:p>
+            <a:pPr lvl="1"/>
+            <a:r>
+              <a:rPr lang="en-US" baseline="0" dirty="0" smtClean="0"/>
+              <a:t>0 no longer active</a:t>
+            </a:r>
+            <a:endParaRPr lang="en-US" dirty="0"/>
           </a:p>
         </p:txBody>
       </p:sp>
     </p:spTree>
     <p:extLst>
       <p:ext uri="{BB962C8B-B14F-4D97-AF65-F5344CB8AC3E}">
-        <p14:creationId xmlns:p14="http://schemas.microsoft.com/office/powerpoint/2010/main" val="4176484201"/>
+        <p14:creationId xmlns:p14="http://schemas.microsoft.com/office/powerpoint/2010/main" val="287751570"/>
       </p:ext>
     </p:extLst>
   </p:cSld>
@@ -3889,13 +4658,18 @@
           <a:bodyPr/>
           <a:lstStyle/>
           <a:p>
+            <a:pPr lvl="0"/>
             <a:r>
               <a:rPr lang="en-US" dirty="0" smtClean="0"/>
-              <a:t>Auto</a:t>
+              <a:t>Non </a:t>
+            </a:r>
+            <a:r>
+              <a:rPr lang="en-US" dirty="0" err="1" smtClean="0"/>
+              <a:t>jQuery</a:t>
             </a:r>
             <a:r>
               <a:rPr lang="en-US" baseline="0" dirty="0" smtClean="0"/>
-              <a:t> download file to directory</a:t>
+              <a:t> examples to check</a:t>
             </a:r>
             <a:endParaRPr lang="en-US" dirty="0"/>
           </a:p>
@@ -3913,20 +4687,61 @@
         </p:nvSpPr>
         <p:spPr/>
         <p:txBody>
-          <a:bodyPr/>
-          <a:lstStyle/>
-          <a:p>
-            <a:r>
-              <a:rPr lang="en-US" dirty="0" smtClean="0"/>
-              <a:t>Selenium profile settings</a:t>
-            </a:r>
+          <a:bodyPr>
+            <a:normAutofit/>
+          </a:bodyPr>
+          <a:lstStyle/>
+          <a:p>
+            <a:pPr lvl="0"/>
+            <a:r>
+              <a:rPr lang="en-US" baseline="0" dirty="0" err="1" smtClean="0"/>
+              <a:t>jQuery</a:t>
+            </a:r>
+            <a:endParaRPr lang="en-US" baseline="0" dirty="0" smtClean="0"/>
+          </a:p>
+          <a:p>
+            <a:pPr lvl="1"/>
+            <a:r>
+              <a:rPr lang="en-US" baseline="0" dirty="0" err="1" smtClean="0"/>
+              <a:t>jQuery.active</a:t>
+            </a:r>
+            <a:endParaRPr lang="en-US" baseline="0" dirty="0" smtClean="0"/>
+          </a:p>
+          <a:p>
+            <a:pPr lvl="0"/>
+            <a:r>
+              <a:rPr lang="en-US" baseline="0" dirty="0" smtClean="0"/>
+              <a:t>Prototype</a:t>
+            </a:r>
+          </a:p>
+          <a:p>
+            <a:pPr lvl="1"/>
+            <a:r>
+              <a:rPr lang="en-US" dirty="0" err="1" smtClean="0"/>
+              <a:t>Ajax.activeRequestCount</a:t>
+            </a:r>
+            <a:endParaRPr lang="en-US" baseline="0" dirty="0" smtClean="0"/>
+          </a:p>
+          <a:p>
+            <a:r>
+              <a:rPr lang="en-US" baseline="0" dirty="0" smtClean="0"/>
+              <a:t>Dojo</a:t>
+            </a:r>
+          </a:p>
+          <a:p>
+            <a:pPr lvl="1"/>
+            <a:r>
+              <a:rPr lang="pl-PL" dirty="0" err="1" smtClean="0"/>
+              <a:t>dojo.io.XMLHTTPTransport.inFlight.length</a:t>
+            </a:r>
+            <a:endParaRPr lang="pl-PL" dirty="0" smtClean="0"/>
           </a:p>
         </p:txBody>
       </p:sp>
     </p:spTree>
     <p:extLst>
       <p:ext uri="{BB962C8B-B14F-4D97-AF65-F5344CB8AC3E}">
-        <p14:creationId xmlns:p14="http://schemas.microsoft.com/office/powerpoint/2010/main" val="2107096134"/>
+        <p14:creationId xmlns:p14="http://schemas.microsoft.com/office/powerpoint/2010/main" val="3174985534"/>
       </p:ext>
     </p:extLst>
   </p:cSld>
@@ -3968,45 +4783,75 @@
           <a:bodyPr/>
           <a:lstStyle/>
           <a:p>
+            <a:pPr lvl="0"/>
             <a:r>
               <a:rPr lang="en-US" dirty="0" smtClean="0"/>
-              <a:t>Parsing</a:t>
+              <a:t>Screenshot</a:t>
+            </a:r>
+            <a:endParaRPr lang="en-US" dirty="0"/>
+          </a:p>
+        </p:txBody>
+      </p:sp>
+      <p:sp>
+        <p:nvSpPr>
+          <p:cNvPr id="3" name="Content Placeholder 2"/>
+          <p:cNvSpPr>
+            <a:spLocks noGrp="1"/>
+          </p:cNvSpPr>
+          <p:nvPr>
+            <p:ph idx="1"/>
+          </p:nvPr>
+        </p:nvSpPr>
+        <p:spPr/>
+        <p:txBody>
+          <a:bodyPr>
+            <a:normAutofit/>
+          </a:bodyPr>
+          <a:lstStyle/>
+          <a:p>
+            <a:r>
+              <a:rPr lang="en-US" dirty="0" smtClean="0"/>
+              <a:t>Selenium allows you to take screenshots of the whole</a:t>
             </a:r>
             <a:r>
               <a:rPr lang="en-US" baseline="0" dirty="0" smtClean="0"/>
-              <a:t> PDF</a:t>
-            </a:r>
-            <a:endParaRPr lang="en-US" dirty="0"/>
-          </a:p>
-        </p:txBody>
-      </p:sp>
-      <p:sp>
-        <p:nvSpPr>
-          <p:cNvPr id="3" name="Content Placeholder 2"/>
-          <p:cNvSpPr>
-            <a:spLocks noGrp="1"/>
-          </p:cNvSpPr>
-          <p:nvPr>
-            <p:ph idx="1"/>
-          </p:nvPr>
-        </p:nvSpPr>
-        <p:spPr/>
-        <p:txBody>
-          <a:bodyPr/>
-          <a:lstStyle/>
-          <a:p>
+              <a:t> web-page</a:t>
+            </a:r>
+          </a:p>
+          <a:p>
+            <a:r>
+              <a:rPr lang="nl-NL" dirty="0" smtClean="0"/>
+              <a:t>Java</a:t>
+            </a:r>
+          </a:p>
+          <a:p>
+            <a:pPr lvl="1"/>
+            <a:r>
+              <a:rPr lang="nl-NL" dirty="0" err="1" smtClean="0"/>
+              <a:t>getScreenshotAs</a:t>
+            </a:r>
+            <a:endParaRPr lang="nl-NL" dirty="0" smtClean="0"/>
+          </a:p>
+          <a:p>
+            <a:pPr lvl="0"/>
             <a:r>
               <a:rPr lang="en-US" dirty="0" smtClean="0"/>
-              <a:t>Using it in mid-selenium test</a:t>
-            </a:r>
-            <a:endParaRPr lang="en-US" dirty="0"/>
+              <a:t>Ruby</a:t>
+            </a:r>
+          </a:p>
+          <a:p>
+            <a:pPr lvl="1"/>
+            <a:r>
+              <a:rPr lang="hr-HR" dirty="0" smtClean="0"/>
+              <a:t>save_screenshot</a:t>
+            </a:r>
           </a:p>
         </p:txBody>
       </p:sp>
     </p:spTree>
     <p:extLst>
       <p:ext uri="{BB962C8B-B14F-4D97-AF65-F5344CB8AC3E}">
-        <p14:creationId xmlns:p14="http://schemas.microsoft.com/office/powerpoint/2010/main" val="3543929356"/>
+        <p14:creationId xmlns:p14="http://schemas.microsoft.com/office/powerpoint/2010/main" val="3826323802"/>
       </p:ext>
     </p:extLst>
   </p:cSld>
@@ -4045,12 +4890,18 @@
         </p:nvSpPr>
         <p:spPr/>
         <p:txBody>
-          <a:bodyPr/>
+          <a:bodyPr>
+            <a:normAutofit fontScale="90000"/>
+          </a:bodyPr>
           <a:lstStyle/>
           <a:p>
             <a:r>
               <a:rPr lang="en-US" dirty="0" smtClean="0"/>
-              <a:t>Headless Tests</a:t>
+              <a:t>Take</a:t>
+            </a:r>
+            <a:r>
+              <a:rPr lang="en-US" baseline="0" dirty="0" smtClean="0"/>
+              <a:t> a screenshot on failure in Cucumber</a:t>
             </a:r>
             <a:endParaRPr lang="en-US" dirty="0"/>
           </a:p>
@@ -4073,26 +4924,58 @@
           <a:p>
             <a:r>
               <a:rPr lang="en-US" dirty="0" smtClean="0"/>
-              <a:t>Firefox Headless</a:t>
-            </a:r>
-          </a:p>
-          <a:p>
-            <a:r>
-              <a:rPr lang="en-US" dirty="0" smtClean="0"/>
-              <a:t>QT</a:t>
+              <a:t>Cucumber has</a:t>
             </a:r>
             <a:r>
               <a:rPr lang="en-US" baseline="0" dirty="0" smtClean="0"/>
-              <a:t> headless</a:t>
-            </a:r>
-            <a:endParaRPr lang="en-US" dirty="0"/>
+              <a:t> HTML reports</a:t>
+            </a:r>
+          </a:p>
+          <a:p>
+            <a:r>
+              <a:rPr lang="en-US" baseline="0" dirty="0" smtClean="0"/>
+              <a:t>You can attach screenshots into report</a:t>
+            </a:r>
+          </a:p>
+          <a:p>
+            <a:r>
+              <a:rPr lang="en-US" baseline="0" dirty="0" smtClean="0"/>
+              <a:t>Example</a:t>
+            </a:r>
+          </a:p>
+          <a:p>
+            <a:pPr lvl="1"/>
+            <a:r>
+              <a:rPr lang="nl-NL" dirty="0" err="1" smtClean="0"/>
+              <a:t>embed</a:t>
+            </a:r>
+            <a:r>
+              <a:rPr lang="nl-NL" dirty="0" smtClean="0"/>
+              <a:t>(“</a:t>
+            </a:r>
+            <a:r>
+              <a:rPr lang="nl-NL" dirty="0" err="1" smtClean="0"/>
+              <a:t>screenshot.png</a:t>
+            </a:r>
+            <a:r>
+              <a:rPr lang="nl-NL" dirty="0" smtClean="0"/>
+              <a:t>”, "image/</a:t>
+            </a:r>
+            <a:r>
+              <a:rPr lang="nl-NL" dirty="0" err="1" smtClean="0"/>
+              <a:t>png</a:t>
+            </a:r>
+            <a:r>
+              <a:rPr lang="nl-NL" dirty="0" smtClean="0"/>
+              <a:t>")</a:t>
+            </a:r>
           </a:p>
         </p:txBody>
       </p:sp>
     </p:spTree>
     <p:extLst>
       <p:ext uri="{BB962C8B-B14F-4D97-AF65-F5344CB8AC3E}">
-        <p14:creationId xmlns:p14="http://schemas.microsoft.com/office/powerpoint/2010/main" val="812875454"/>
+        <p14:creationId xmlns:p14="http://schemas.microsoft.com/office/powerpoint/2010/main" val="1351955492"/>
       </p:ext>
     </p:extLst>
   </p:cSld>
@@ -4134,11 +5017,7 @@
           <a:bodyPr/>
           <a:lstStyle/>
           <a:p>
-            <a:r>
-              <a:rPr lang="en-US" dirty="0" smtClean="0"/>
-              <a:t>Parallel</a:t>
-            </a:r>
-            <a:endParaRPr lang="en-US" dirty="0"/>
+            <a:endParaRPr lang="en-US"/>
           </a:p>
         </p:txBody>
       </p:sp>
@@ -4157,35 +5036,14 @@
           <a:bodyPr/>
           <a:lstStyle/>
           <a:p>
-            <a:r>
-              <a:rPr lang="en-US" dirty="0" smtClean="0"/>
-              <a:t>Using</a:t>
-            </a:r>
-            <a:r>
-              <a:rPr lang="en-US" baseline="0" dirty="0" smtClean="0"/>
-              <a:t> fork</a:t>
-            </a:r>
-          </a:p>
-          <a:p>
-            <a:r>
-              <a:rPr lang="en-US" baseline="0" dirty="0" smtClean="0"/>
-              <a:t>Using </a:t>
-            </a:r>
-            <a:r>
-              <a:rPr lang="en-US" baseline="0" dirty="0" err="1" smtClean="0"/>
-              <a:t>parallel_tests</a:t>
-            </a:r>
-            <a:r>
-              <a:rPr lang="en-US" baseline="0" dirty="0" smtClean="0"/>
-              <a:t> gem</a:t>
-            </a:r>
+            <a:endParaRPr lang="en-US"/>
           </a:p>
         </p:txBody>
       </p:sp>
     </p:spTree>
     <p:extLst>
       <p:ext uri="{BB962C8B-B14F-4D97-AF65-F5344CB8AC3E}">
-        <p14:creationId xmlns:p14="http://schemas.microsoft.com/office/powerpoint/2010/main" val="3109283922"/>
+        <p14:creationId xmlns:p14="http://schemas.microsoft.com/office/powerpoint/2010/main" val="1024799472"/>
       </p:ext>
     </p:extLst>
   </p:cSld>

--- a/selenium_camp_v1.pptx
+++ b/selenium_camp_v1.pptx
@@ -6,24 +6,31 @@
   </p:sldMasterIdLst>
   <p:sldIdLst>
     <p:sldId id="256" r:id="rId2"/>
-    <p:sldId id="258" r:id="rId3"/>
-    <p:sldId id="270" r:id="rId4"/>
-    <p:sldId id="272" r:id="rId5"/>
-    <p:sldId id="273" r:id="rId6"/>
-    <p:sldId id="271" r:id="rId7"/>
-    <p:sldId id="274" r:id="rId8"/>
-    <p:sldId id="275" r:id="rId9"/>
-    <p:sldId id="276" r:id="rId10"/>
+    <p:sldId id="285" r:id="rId3"/>
+    <p:sldId id="258" r:id="rId4"/>
+    <p:sldId id="270" r:id="rId5"/>
+    <p:sldId id="272" r:id="rId6"/>
+    <p:sldId id="273" r:id="rId7"/>
+    <p:sldId id="271" r:id="rId8"/>
+    <p:sldId id="274" r:id="rId9"/>
+    <p:sldId id="275" r:id="rId10"/>
     <p:sldId id="260" r:id="rId11"/>
-    <p:sldId id="265" r:id="rId12"/>
-    <p:sldId id="266" r:id="rId13"/>
-    <p:sldId id="267" r:id="rId14"/>
-    <p:sldId id="264" r:id="rId15"/>
-    <p:sldId id="261" r:id="rId16"/>
-    <p:sldId id="262" r:id="rId17"/>
-    <p:sldId id="268" r:id="rId18"/>
-    <p:sldId id="269" r:id="rId19"/>
-    <p:sldId id="263" r:id="rId20"/>
+    <p:sldId id="276" r:id="rId12"/>
+    <p:sldId id="277" r:id="rId13"/>
+    <p:sldId id="278" r:id="rId14"/>
+    <p:sldId id="265" r:id="rId15"/>
+    <p:sldId id="279" r:id="rId16"/>
+    <p:sldId id="282" r:id="rId17"/>
+    <p:sldId id="281" r:id="rId18"/>
+    <p:sldId id="280" r:id="rId19"/>
+    <p:sldId id="267" r:id="rId20"/>
+    <p:sldId id="264" r:id="rId21"/>
+    <p:sldId id="261" r:id="rId22"/>
+    <p:sldId id="286" r:id="rId23"/>
+    <p:sldId id="262" r:id="rId24"/>
+    <p:sldId id="283" r:id="rId25"/>
+    <p:sldId id="263" r:id="rId26"/>
+    <p:sldId id="284" r:id="rId27"/>
   </p:sldIdLst>
   <p:sldSz cx="9144000" cy="6858000" type="screen4x3"/>
   <p:notesSz cx="6858000" cy="9144000"/>
@@ -306,7 +313,7 @@
           <a:p>
             <a:fld id="{6BFECD78-3C8E-49F2-8FAB-59489D168ABB}" type="datetimeFigureOut">
               <a:rPr lang="en-US" smtClean="0"/>
-              <a:t>2/21/12</a:t>
+              <a:t>2/22/12</a:t>
             </a:fld>
             <a:endParaRPr lang="en-US"/>
           </a:p>
@@ -476,7 +483,7 @@
           <a:p>
             <a:fld id="{6BFECD78-3C8E-49F2-8FAB-59489D168ABB}" type="datetimeFigureOut">
               <a:rPr lang="en-US" smtClean="0"/>
-              <a:t>2/21/12</a:t>
+              <a:t>2/22/12</a:t>
             </a:fld>
             <a:endParaRPr lang="en-US"/>
           </a:p>
@@ -656,7 +663,7 @@
           <a:p>
             <a:fld id="{6BFECD78-3C8E-49F2-8FAB-59489D168ABB}" type="datetimeFigureOut">
               <a:rPr lang="en-US" smtClean="0"/>
-              <a:t>2/21/12</a:t>
+              <a:t>2/22/12</a:t>
             </a:fld>
             <a:endParaRPr lang="en-US"/>
           </a:p>
@@ -826,7 +833,7 @@
           <a:p>
             <a:fld id="{6BFECD78-3C8E-49F2-8FAB-59489D168ABB}" type="datetimeFigureOut">
               <a:rPr lang="en-US" smtClean="0"/>
-              <a:t>2/21/12</a:t>
+              <a:t>2/22/12</a:t>
             </a:fld>
             <a:endParaRPr lang="en-US"/>
           </a:p>
@@ -1072,7 +1079,7 @@
           <a:p>
             <a:fld id="{6BFECD78-3C8E-49F2-8FAB-59489D168ABB}" type="datetimeFigureOut">
               <a:rPr lang="en-US" smtClean="0"/>
-              <a:t>2/21/12</a:t>
+              <a:t>2/22/12</a:t>
             </a:fld>
             <a:endParaRPr lang="en-US"/>
           </a:p>
@@ -1360,7 +1367,7 @@
           <a:p>
             <a:fld id="{6BFECD78-3C8E-49F2-8FAB-59489D168ABB}" type="datetimeFigureOut">
               <a:rPr lang="en-US" smtClean="0"/>
-              <a:t>2/21/12</a:t>
+              <a:t>2/22/12</a:t>
             </a:fld>
             <a:endParaRPr lang="en-US"/>
           </a:p>
@@ -1782,7 +1789,7 @@
           <a:p>
             <a:fld id="{6BFECD78-3C8E-49F2-8FAB-59489D168ABB}" type="datetimeFigureOut">
               <a:rPr lang="en-US" smtClean="0"/>
-              <a:t>2/21/12</a:t>
+              <a:t>2/22/12</a:t>
             </a:fld>
             <a:endParaRPr lang="en-US"/>
           </a:p>
@@ -1900,7 +1907,7 @@
           <a:p>
             <a:fld id="{6BFECD78-3C8E-49F2-8FAB-59489D168ABB}" type="datetimeFigureOut">
               <a:rPr lang="en-US" smtClean="0"/>
-              <a:t>2/21/12</a:t>
+              <a:t>2/22/12</a:t>
             </a:fld>
             <a:endParaRPr lang="en-US"/>
           </a:p>
@@ -1995,7 +2002,7 @@
           <a:p>
             <a:fld id="{6BFECD78-3C8E-49F2-8FAB-59489D168ABB}" type="datetimeFigureOut">
               <a:rPr lang="en-US" smtClean="0"/>
-              <a:t>2/21/12</a:t>
+              <a:t>2/22/12</a:t>
             </a:fld>
             <a:endParaRPr lang="en-US"/>
           </a:p>
@@ -2272,7 +2279,7 @@
           <a:p>
             <a:fld id="{6BFECD78-3C8E-49F2-8FAB-59489D168ABB}" type="datetimeFigureOut">
               <a:rPr lang="en-US" smtClean="0"/>
-              <a:t>2/21/12</a:t>
+              <a:t>2/22/12</a:t>
             </a:fld>
             <a:endParaRPr lang="en-US"/>
           </a:p>
@@ -2529,7 +2536,7 @@
           <a:p>
             <a:fld id="{6BFECD78-3C8E-49F2-8FAB-59489D168ABB}" type="datetimeFigureOut">
               <a:rPr lang="en-US" smtClean="0"/>
-              <a:t>2/21/12</a:t>
+              <a:t>2/22/12</a:t>
             </a:fld>
             <a:endParaRPr lang="en-US"/>
           </a:p>
@@ -2742,7 +2749,7 @@
           <a:p>
             <a:fld id="{6BFECD78-3C8E-49F2-8FAB-59489D168ABB}" type="datetimeFigureOut">
               <a:rPr lang="en-US" smtClean="0"/>
-              <a:t>2/21/12</a:t>
+              <a:t>2/22/12</a:t>
             </a:fld>
             <a:endParaRPr lang="en-US"/>
           </a:p>
@@ -3161,7 +3168,11 @@
           <a:p>
             <a:r>
               <a:rPr lang="en-US" dirty="0" smtClean="0"/>
-              <a:t>Dima Kovalenko</a:t>
+              <a:t>Dima </a:t>
+            </a:r>
+            <a:r>
+              <a:rPr lang="en-US" dirty="0" smtClean="0"/>
+              <a:t>Kovalenko</a:t>
             </a:r>
           </a:p>
         </p:txBody>
@@ -3217,7 +3228,15 @@
             </a:r>
             <a:r>
               <a:rPr lang="en-US" baseline="0" dirty="0" smtClean="0"/>
-              <a:t> Capture of test</a:t>
+              <a:t> </a:t>
+            </a:r>
+            <a:r>
+              <a:rPr lang="en-US" baseline="0" dirty="0" smtClean="0"/>
+              <a:t>capture </a:t>
+            </a:r>
+            <a:r>
+              <a:rPr lang="en-US" baseline="0" dirty="0" smtClean="0"/>
+              <a:t>of test</a:t>
             </a:r>
             <a:endParaRPr lang="en-US" dirty="0"/>
           </a:p>
@@ -3240,11 +3259,31 @@
           <a:p>
             <a:r>
               <a:rPr lang="en-US" dirty="0" smtClean="0"/>
-              <a:t>Code</a:t>
+              <a:t>Only</a:t>
             </a:r>
             <a:r>
               <a:rPr lang="en-US" baseline="0" dirty="0" smtClean="0"/>
-              <a:t> snippet to record video</a:t>
+              <a:t> on Linux for now</a:t>
+            </a:r>
+          </a:p>
+          <a:p>
+            <a:r>
+              <a:rPr lang="en-US" baseline="0" dirty="0" smtClean="0"/>
+              <a:t>Working on windows/mac</a:t>
+            </a:r>
+          </a:p>
+          <a:p>
+            <a:pPr lvl="1"/>
+            <a:r>
+              <a:rPr lang="en-US" baseline="0" dirty="0" smtClean="0"/>
+              <a:t>I’m looking for a good free screen capture program.</a:t>
+            </a:r>
+          </a:p>
+          <a:p>
+            <a:pPr lvl="1"/>
+            <a:r>
+              <a:rPr lang="en-US" baseline="0" dirty="0" smtClean="0"/>
+              <a:t>Possibly VLC</a:t>
             </a:r>
           </a:p>
         </p:txBody>
@@ -3296,7 +3335,7 @@
           <a:p>
             <a:r>
               <a:rPr lang="en-US" dirty="0" smtClean="0"/>
-              <a:t>Firefox profiles</a:t>
+              <a:t>Video capture of test</a:t>
             </a:r>
             <a:endParaRPr lang="en-US" dirty="0"/>
           </a:p>
@@ -3319,17 +3358,23 @@
           <a:p>
             <a:r>
               <a:rPr lang="en-US" dirty="0" smtClean="0"/>
-              <a:t>Using premade one</a:t>
-            </a:r>
-          </a:p>
-          <a:p>
-            <a:r>
-              <a:rPr lang="en-US" dirty="0" smtClean="0"/>
-              <a:t>Setting up profile</a:t>
+              <a:t>Record the test</a:t>
+            </a:r>
+          </a:p>
+          <a:p>
+            <a:r>
+              <a:rPr lang="en-US" dirty="0" smtClean="0"/>
+              <a:t>If test passes,</a:t>
             </a:r>
             <a:r>
               <a:rPr lang="en-US" baseline="0" dirty="0" smtClean="0"/>
-              <a:t> on the fly</a:t>
+              <a:t> delete the video</a:t>
+            </a:r>
+          </a:p>
+          <a:p>
+            <a:r>
+              <a:rPr lang="en-US" baseline="0" dirty="0" smtClean="0"/>
+              <a:t>If test fails, publish video into CI</a:t>
             </a:r>
           </a:p>
         </p:txBody>
@@ -3337,7 +3382,7 @@
     </p:spTree>
     <p:extLst>
       <p:ext uri="{BB962C8B-B14F-4D97-AF65-F5344CB8AC3E}">
-        <p14:creationId xmlns:p14="http://schemas.microsoft.com/office/powerpoint/2010/main" val="4176484201"/>
+        <p14:creationId xmlns:p14="http://schemas.microsoft.com/office/powerpoint/2010/main" val="1862055086"/>
       </p:ext>
     </p:extLst>
   </p:cSld>
@@ -3381,11 +3426,11 @@
           <a:p>
             <a:r>
               <a:rPr lang="en-US" dirty="0" smtClean="0"/>
-              <a:t>Auto</a:t>
+              <a:t>Video</a:t>
             </a:r>
             <a:r>
               <a:rPr lang="en-US" baseline="0" dirty="0" smtClean="0"/>
-              <a:t> download file to directory</a:t>
+              <a:t> capture of test</a:t>
             </a:r>
             <a:endParaRPr lang="en-US" dirty="0"/>
           </a:p>
@@ -3403,12 +3448,119 @@
         </p:nvSpPr>
         <p:spPr/>
         <p:txBody>
-          <a:bodyPr/>
-          <a:lstStyle/>
-          <a:p>
-            <a:r>
-              <a:rPr lang="en-US" dirty="0" smtClean="0"/>
-              <a:t>Selenium profile settings</a:t>
+          <a:bodyPr>
+            <a:normAutofit lnSpcReduction="10000"/>
+          </a:bodyPr>
+          <a:lstStyle/>
+          <a:p>
+            <a:r>
+              <a:rPr lang="en-US" dirty="0" smtClean="0"/>
+              <a:t>Using</a:t>
+            </a:r>
+            <a:r>
+              <a:rPr lang="en-US" baseline="0" dirty="0" smtClean="0"/>
+              <a:t> “headless” gem</a:t>
+            </a:r>
+          </a:p>
+          <a:p>
+            <a:r>
+              <a:rPr lang="en-US" baseline="0" dirty="0" smtClean="0"/>
+              <a:t>Actual work:</a:t>
+            </a:r>
+          </a:p>
+          <a:p>
+            <a:pPr lvl="1"/>
+            <a:r>
+              <a:rPr lang="en-US" dirty="0" smtClean="0"/>
+              <a:t>Start XVFB</a:t>
+            </a:r>
+          </a:p>
+          <a:p>
+            <a:pPr lvl="2"/>
+            <a:r>
+              <a:rPr lang="en-US" dirty="0" err="1" smtClean="0"/>
+              <a:t>xvfb</a:t>
+            </a:r>
+            <a:r>
+              <a:rPr lang="en-US" dirty="0" smtClean="0"/>
+              <a:t> :1 –</a:t>
+            </a:r>
+            <a:r>
+              <a:rPr lang="nl-NL" dirty="0" smtClean="0"/>
+              <a:t>screen </a:t>
+            </a:r>
+            <a:r>
+              <a:rPr lang="en-US" dirty="0" smtClean="0"/>
+              <a:t>1280x1024x24</a:t>
+            </a:r>
+          </a:p>
+          <a:p>
+            <a:pPr lvl="1"/>
+            <a:r>
+              <a:rPr lang="en-US" dirty="0"/>
+              <a:t>Start </a:t>
+            </a:r>
+            <a:r>
+              <a:rPr lang="en-US" dirty="0" err="1" smtClean="0"/>
+              <a:t>ffmpeg</a:t>
+            </a:r>
+            <a:endParaRPr lang="en-US" dirty="0"/>
+          </a:p>
+          <a:p>
+            <a:pPr lvl="2"/>
+            <a:r>
+              <a:rPr lang="en-US" dirty="0" err="1" smtClean="0"/>
+              <a:t>ffmpeg</a:t>
+            </a:r>
+            <a:r>
+              <a:rPr lang="en-US" dirty="0" smtClean="0"/>
+              <a:t> </a:t>
+            </a:r>
+            <a:r>
+              <a:rPr lang="en-US" dirty="0"/>
+              <a:t>-f x11grab </a:t>
+            </a:r>
+            <a:r>
+              <a:rPr lang="en-US" dirty="0" smtClean="0"/>
+              <a:t>–</a:t>
+            </a:r>
+            <a:r>
+              <a:rPr lang="en-US" dirty="0" err="1" smtClean="0"/>
+              <a:t>i</a:t>
+            </a:r>
+            <a:r>
+              <a:rPr lang="en-US" dirty="0" smtClean="0"/>
+              <a:t> :1 </a:t>
+            </a:r>
+            <a:r>
+              <a:rPr lang="sk-SK" dirty="0"/>
+              <a:t>-vcodec </a:t>
+            </a:r>
+            <a:r>
+              <a:rPr lang="sk-SK" dirty="0" smtClean="0"/>
+              <a:t>qtrle ...</a:t>
+            </a:r>
+          </a:p>
+          <a:p>
+            <a:pPr lvl="1"/>
+            <a:r>
+              <a:rPr lang="sk-SK" dirty="0" smtClean="0"/>
+              <a:t>Write to /tmp/video.mov</a:t>
+            </a:r>
+            <a:endParaRPr lang="en-US" dirty="0" smtClean="0"/>
+          </a:p>
+          <a:p>
+            <a:pPr lvl="1"/>
+            <a:r>
+              <a:rPr lang="en-US" dirty="0" smtClean="0"/>
+              <a:t>Delete movie if test passes</a:t>
+            </a:r>
+          </a:p>
+          <a:p>
+            <a:pPr lvl="1"/>
+            <a:r>
+              <a:rPr lang="en-US" dirty="0" smtClean="0"/>
+              <a:t>Copy movie to project if fails</a:t>
             </a:r>
           </a:p>
         </p:txBody>
@@ -3416,7 +3568,7 @@
     </p:spTree>
     <p:extLst>
       <p:ext uri="{BB962C8B-B14F-4D97-AF65-F5344CB8AC3E}">
-        <p14:creationId xmlns:p14="http://schemas.microsoft.com/office/powerpoint/2010/main" val="2107096134"/>
+        <p14:creationId xmlns:p14="http://schemas.microsoft.com/office/powerpoint/2010/main" val="2371993634"/>
       </p:ext>
     </p:extLst>
   </p:cSld>
@@ -3460,11 +3612,11 @@
           <a:p>
             <a:r>
               <a:rPr lang="en-US" dirty="0" smtClean="0"/>
-              <a:t>Parsing</a:t>
+              <a:t>Video capture</a:t>
             </a:r>
             <a:r>
               <a:rPr lang="en-US" baseline="0" dirty="0" smtClean="0"/>
-              <a:t> PDF</a:t>
+              <a:t> of parallel tests</a:t>
             </a:r>
             <a:endParaRPr lang="en-US" dirty="0"/>
           </a:p>
@@ -3487,7 +3639,17 @@
           <a:p>
             <a:r>
               <a:rPr lang="en-US" dirty="0" smtClean="0"/>
-              <a:t>Using it in mid-selenium test</a:t>
+              <a:t>Use different DISPLAY</a:t>
+            </a:r>
+          </a:p>
+          <a:p>
+            <a:r>
+              <a:rPr lang="en-US" dirty="0" smtClean="0"/>
+              <a:t>Start</a:t>
+            </a:r>
+            <a:r>
+              <a:rPr lang="en-US" baseline="0" dirty="0" smtClean="0"/>
+              <a:t> XVFB for every test instance</a:t>
             </a:r>
             <a:endParaRPr lang="en-US" dirty="0"/>
           </a:p>
@@ -3496,7 +3658,7 @@
     </p:spTree>
     <p:extLst>
       <p:ext uri="{BB962C8B-B14F-4D97-AF65-F5344CB8AC3E}">
-        <p14:creationId xmlns:p14="http://schemas.microsoft.com/office/powerpoint/2010/main" val="3543929356"/>
+        <p14:creationId xmlns:p14="http://schemas.microsoft.com/office/powerpoint/2010/main" val="978306992"/>
       </p:ext>
     </p:extLst>
   </p:cSld>
@@ -3540,7 +3702,11 @@
           <a:p>
             <a:r>
               <a:rPr lang="en-US" dirty="0" smtClean="0"/>
-              <a:t>Headless Tests</a:t>
+              <a:t>Firefox </a:t>
+            </a:r>
+            <a:r>
+              <a:rPr lang="en-US" dirty="0" smtClean="0"/>
+              <a:t>profiles Selenium 1</a:t>
             </a:r>
             <a:endParaRPr lang="en-US" dirty="0"/>
           </a:p>
@@ -3561,28 +3727,54 @@
           <a:bodyPr/>
           <a:lstStyle/>
           <a:p>
-            <a:r>
-              <a:rPr lang="en-US" dirty="0" smtClean="0"/>
-              <a:t>Firefox Headless</a:t>
-            </a:r>
-          </a:p>
-          <a:p>
-            <a:r>
-              <a:rPr lang="en-US" dirty="0" smtClean="0"/>
-              <a:t>QT</a:t>
-            </a:r>
+            <a:pPr lvl="0"/>
             <a:r>
               <a:rPr lang="en-US" baseline="0" dirty="0" smtClean="0"/>
-              <a:t> headless</a:t>
-            </a:r>
-            <a:endParaRPr lang="en-US" dirty="0"/>
+              <a:t>Can create </a:t>
+            </a:r>
+            <a:r>
+              <a:rPr lang="en-US" baseline="0" dirty="0" err="1" smtClean="0"/>
+              <a:t>firefox</a:t>
+            </a:r>
+            <a:r>
+              <a:rPr lang="en-US" baseline="0" dirty="0" smtClean="0"/>
+              <a:t> profile and use it as the test profile</a:t>
+            </a:r>
+          </a:p>
+          <a:p>
+            <a:pPr lvl="0"/>
+            <a:r>
+              <a:rPr lang="en-US" baseline="0" dirty="0" smtClean="0"/>
+              <a:t>Set everything up once, and have it in the test</a:t>
+            </a:r>
+          </a:p>
+          <a:p>
+            <a:pPr lvl="1"/>
+            <a:r>
+              <a:rPr lang="en-US" baseline="0" dirty="0" smtClean="0"/>
+              <a:t>Extensions</a:t>
+            </a:r>
+          </a:p>
+          <a:p>
+            <a:pPr lvl="1"/>
+            <a:r>
+              <a:rPr lang="en-US" baseline="0" dirty="0" smtClean="0"/>
+              <a:t>SSL certificates</a:t>
+            </a:r>
+          </a:p>
+          <a:p>
+            <a:pPr lvl="1"/>
+            <a:r>
+              <a:rPr lang="en-US" baseline="0" dirty="0" smtClean="0"/>
+              <a:t>Passwords</a:t>
+            </a:r>
           </a:p>
         </p:txBody>
       </p:sp>
     </p:spTree>
     <p:extLst>
       <p:ext uri="{BB962C8B-B14F-4D97-AF65-F5344CB8AC3E}">
-        <p14:creationId xmlns:p14="http://schemas.microsoft.com/office/powerpoint/2010/main" val="812875454"/>
+        <p14:creationId xmlns:p14="http://schemas.microsoft.com/office/powerpoint/2010/main" val="4176484201"/>
       </p:ext>
     </p:extLst>
   </p:cSld>
@@ -3626,7 +3818,7 @@
           <a:p>
             <a:r>
               <a:rPr lang="en-US" dirty="0" smtClean="0"/>
-              <a:t>Parallel</a:t>
+              <a:t>Firefox profiles Selenium 2</a:t>
             </a:r>
             <a:endParaRPr lang="en-US" dirty="0"/>
           </a:p>
@@ -3649,25 +3841,21 @@
           <a:p>
             <a:r>
               <a:rPr lang="en-US" dirty="0" smtClean="0"/>
-              <a:t>Using</a:t>
-            </a:r>
-            <a:r>
-              <a:rPr lang="en-US" baseline="0" dirty="0" smtClean="0"/>
-              <a:t> fork</a:t>
-            </a:r>
-          </a:p>
-          <a:p>
-            <a:r>
-              <a:rPr lang="en-US" baseline="0" dirty="0" smtClean="0"/>
-              <a:t>Using </a:t>
-            </a:r>
-            <a:r>
-              <a:rPr lang="en-US" baseline="0" dirty="0" err="1" smtClean="0"/>
-              <a:t>parallel_tests</a:t>
-            </a:r>
-            <a:r>
-              <a:rPr lang="en-US" baseline="0" dirty="0" smtClean="0"/>
-              <a:t> gem</a:t>
+              <a:t>Setup profile on the fly in code</a:t>
+            </a:r>
+          </a:p>
+          <a:p>
+            <a:pPr lvl="1"/>
+            <a:r>
+              <a:rPr lang="en-US" dirty="0" smtClean="0"/>
+              <a:t>Settings</a:t>
+            </a:r>
+          </a:p>
+          <a:p>
+            <a:pPr lvl="1"/>
+            <a:r>
+              <a:rPr lang="en-US" dirty="0" smtClean="0"/>
+              <a:t>Extensions</a:t>
             </a:r>
           </a:p>
         </p:txBody>
@@ -3675,7 +3863,7 @@
     </p:spTree>
     <p:extLst>
       <p:ext uri="{BB962C8B-B14F-4D97-AF65-F5344CB8AC3E}">
-        <p14:creationId xmlns:p14="http://schemas.microsoft.com/office/powerpoint/2010/main" val="3109283922"/>
+        <p14:creationId xmlns:p14="http://schemas.microsoft.com/office/powerpoint/2010/main" val="2552601656"/>
       </p:ext>
     </p:extLst>
   </p:cSld>
@@ -3719,7 +3907,7 @@
           <a:p>
             <a:r>
               <a:rPr lang="en-US" dirty="0" smtClean="0"/>
-              <a:t>Sauce</a:t>
+              <a:t>Selenium 2 profile</a:t>
             </a:r>
             <a:endParaRPr lang="en-US" dirty="0"/>
           </a:p>
@@ -3727,42 +3915,213 @@
       </p:sp>
       <p:sp>
         <p:nvSpPr>
-          <p:cNvPr id="3" name="Content Placeholder 2"/>
-          <p:cNvSpPr>
-            <a:spLocks noGrp="1"/>
-          </p:cNvSpPr>
-          <p:nvPr>
-            <p:ph idx="1"/>
-          </p:nvPr>
-        </p:nvSpPr>
-        <p:spPr/>
-        <p:txBody>
-          <a:bodyPr/>
-          <a:lstStyle/>
-          <a:p>
-            <a:r>
-              <a:rPr lang="en-US" dirty="0" smtClean="0"/>
-              <a:t>How sauce works</a:t>
-            </a:r>
-          </a:p>
-          <a:p>
-            <a:r>
-              <a:rPr lang="en-US" dirty="0" smtClean="0"/>
-              <a:t>Connection snippet</a:t>
-            </a:r>
-          </a:p>
-          <a:p>
-            <a:r>
-              <a:rPr lang="en-US" dirty="0" smtClean="0"/>
-              <a:t>Test run snippet</a:t>
-            </a:r>
+          <p:cNvPr id="4" name="TextBox 3"/>
+          <p:cNvSpPr txBox="1"/>
+          <p:nvPr/>
+        </p:nvSpPr>
+        <p:spPr>
+          <a:xfrm>
+            <a:off x="782148" y="1665349"/>
+            <a:ext cx="7586009" cy="1754327"/>
+          </a:xfrm>
+          <a:prstGeom prst="rect">
+            <a:avLst/>
+          </a:prstGeom>
+          <a:noFill/>
+        </p:spPr>
+        <p:txBody>
+          <a:bodyPr wrap="square" rtlCol="0">
+            <a:spAutoFit/>
+          </a:bodyPr>
+          <a:lstStyle/>
+          <a:p>
+            <a:r>
+              <a:rPr lang="en-US" dirty="0"/>
+              <a:t>profile = </a:t>
+            </a:r>
+            <a:r>
+              <a:rPr lang="en-US" dirty="0">
+                <a:solidFill>
+                  <a:schemeClr val="accent1"/>
+                </a:solidFill>
+              </a:rPr>
+              <a:t>Selenium::</a:t>
+            </a:r>
+            <a:r>
+              <a:rPr lang="en-US" dirty="0" err="1">
+                <a:solidFill>
+                  <a:schemeClr val="accent1"/>
+                </a:solidFill>
+              </a:rPr>
+              <a:t>WebDriver</a:t>
+            </a:r>
+            <a:r>
+              <a:rPr lang="en-US" dirty="0">
+                <a:solidFill>
+                  <a:schemeClr val="accent1"/>
+                </a:solidFill>
+              </a:rPr>
+              <a:t>::Firefox::</a:t>
+            </a:r>
+            <a:r>
+              <a:rPr lang="en-US" dirty="0" err="1" smtClean="0">
+                <a:solidFill>
+                  <a:schemeClr val="accent1"/>
+                </a:solidFill>
+              </a:rPr>
+              <a:t>Profile</a:t>
+            </a:r>
+            <a:r>
+              <a:rPr lang="en-US" dirty="0" err="1" smtClean="0"/>
+              <a:t>.</a:t>
+            </a:r>
+            <a:r>
+              <a:rPr lang="en-US" dirty="0" err="1" smtClean="0">
+                <a:solidFill>
+                  <a:srgbClr val="008000"/>
+                </a:solidFill>
+              </a:rPr>
+              <a:t>new</a:t>
+            </a:r>
+            <a:endParaRPr lang="en-US" dirty="0" smtClean="0">
+              <a:solidFill>
+                <a:srgbClr val="008000"/>
+              </a:solidFill>
+            </a:endParaRPr>
+          </a:p>
+          <a:p>
+            <a:endParaRPr lang="en-US" dirty="0"/>
+          </a:p>
+          <a:p>
+            <a:r>
+              <a:rPr lang="cs-CZ" dirty="0"/>
+              <a:t>profile</a:t>
+            </a:r>
+            <a:r>
+              <a:rPr lang="cs-CZ" dirty="0" smtClean="0"/>
+              <a:t>[</a:t>
+            </a:r>
+            <a:r>
+              <a:rPr lang="cs-CZ" dirty="0" smtClean="0">
+                <a:solidFill>
+                  <a:srgbClr val="FFFF00"/>
+                </a:solidFill>
+              </a:rPr>
+              <a:t>“</a:t>
+            </a:r>
+            <a:r>
+              <a:rPr lang="cs-CZ" dirty="0" err="1" smtClean="0">
+                <a:solidFill>
+                  <a:srgbClr val="FFFF00"/>
+                </a:solidFill>
+              </a:rPr>
+              <a:t>some_setting</a:t>
+            </a:r>
+            <a:r>
+              <a:rPr lang="cs-CZ" dirty="0" smtClean="0">
+                <a:solidFill>
+                  <a:srgbClr val="FFFF00"/>
+                </a:solidFill>
+              </a:rPr>
+              <a:t>“</a:t>
+            </a:r>
+            <a:r>
+              <a:rPr lang="cs-CZ" dirty="0" smtClean="0"/>
+              <a:t>] = </a:t>
+            </a:r>
+            <a:r>
+              <a:rPr lang="cs-CZ" dirty="0" smtClean="0">
+                <a:solidFill>
+                  <a:srgbClr val="FFFF00"/>
+                </a:solidFill>
+              </a:rPr>
+              <a:t>1</a:t>
+            </a:r>
+            <a:endParaRPr lang="en-US" dirty="0" smtClean="0">
+              <a:solidFill>
+                <a:srgbClr val="FFFF00"/>
+              </a:solidFill>
+            </a:endParaRPr>
+          </a:p>
+          <a:p>
+            <a:endParaRPr lang="en-US" dirty="0" smtClean="0"/>
+          </a:p>
+          <a:p>
+            <a:r>
+              <a:rPr lang="da-DK" dirty="0" err="1" smtClean="0"/>
+              <a:t>selenium</a:t>
+            </a:r>
+            <a:r>
+              <a:rPr lang="da-DK" dirty="0" smtClean="0"/>
+              <a:t> = </a:t>
+            </a:r>
+            <a:r>
+              <a:rPr lang="da-DK" dirty="0" err="1" smtClean="0">
+                <a:solidFill>
+                  <a:schemeClr val="accent1"/>
+                </a:solidFill>
+              </a:rPr>
+              <a:t>Selenium</a:t>
+            </a:r>
+            <a:r>
+              <a:rPr lang="da-DK" dirty="0">
+                <a:solidFill>
+                  <a:schemeClr val="accent1"/>
+                </a:solidFill>
+              </a:rPr>
+              <a:t>::</a:t>
+            </a:r>
+            <a:r>
+              <a:rPr lang="da-DK" dirty="0" err="1">
+                <a:solidFill>
+                  <a:schemeClr val="accent1"/>
+                </a:solidFill>
+              </a:rPr>
+              <a:t>WebDriver.for</a:t>
+            </a:r>
+            <a:r>
+              <a:rPr lang="da-DK" dirty="0">
+                <a:solidFill>
+                  <a:schemeClr val="accent1"/>
+                </a:solidFill>
+              </a:rPr>
+              <a:t> :</a:t>
+            </a:r>
+            <a:r>
+              <a:rPr lang="da-DK" dirty="0" err="1">
+                <a:solidFill>
+                  <a:schemeClr val="accent1"/>
+                </a:solidFill>
+              </a:rPr>
+              <a:t>firefox</a:t>
+            </a:r>
+            <a:r>
+              <a:rPr lang="da-DK" dirty="0"/>
+              <a:t>, {:</a:t>
+            </a:r>
+            <a:r>
+              <a:rPr lang="da-DK" dirty="0">
+                <a:solidFill>
+                  <a:schemeClr val="accent2"/>
+                </a:solidFill>
+              </a:rPr>
+              <a:t>profile</a:t>
+            </a:r>
+            <a:r>
+              <a:rPr lang="da-DK" dirty="0"/>
+              <a:t> =&gt; profile}</a:t>
+            </a:r>
+            <a:endParaRPr lang="en-US" dirty="0" smtClean="0"/>
+          </a:p>
+          <a:p>
+            <a:endParaRPr lang="en-US" dirty="0"/>
           </a:p>
         </p:txBody>
       </p:sp>
     </p:spTree>
     <p:extLst>
       <p:ext uri="{BB962C8B-B14F-4D97-AF65-F5344CB8AC3E}">
-        <p14:creationId xmlns:p14="http://schemas.microsoft.com/office/powerpoint/2010/main" val="2214837227"/>
+        <p14:creationId xmlns:p14="http://schemas.microsoft.com/office/powerpoint/2010/main" val="1958933934"/>
       </p:ext>
     </p:extLst>
   </p:cSld>
@@ -3806,11 +4165,15 @@
           <a:p>
             <a:r>
               <a:rPr lang="en-US" dirty="0" smtClean="0"/>
-              <a:t>Page </a:t>
+              <a:t>In URL Basic </a:t>
             </a:r>
             <a:r>
               <a:rPr lang="en-US" dirty="0" err="1" smtClean="0"/>
-              <a:t>Ojbects</a:t>
+              <a:t>Auth</a:t>
+            </a:r>
+            <a:r>
+              <a:rPr lang="en-US" dirty="0" smtClean="0"/>
+              <a:t> Firefox</a:t>
             </a:r>
             <a:endParaRPr lang="en-US" dirty="0"/>
           </a:p>
@@ -3831,14 +4194,73 @@
           <a:bodyPr/>
           <a:lstStyle/>
           <a:p>
-            <a:endParaRPr lang="en-US"/>
+            <a:r>
+              <a:rPr lang="en-US" dirty="0" smtClean="0"/>
+              <a:t>Selenium 1</a:t>
+            </a:r>
+          </a:p>
+          <a:p>
+            <a:pPr lvl="1"/>
+            <a:r>
+              <a:rPr lang="en-US" dirty="0" err="1" smtClean="0"/>
+              <a:t>Modfy</a:t>
+            </a:r>
+            <a:r>
+              <a:rPr lang="en-US" dirty="0" smtClean="0"/>
+              <a:t> </a:t>
+            </a:r>
+          </a:p>
+          <a:p>
+            <a:pPr lvl="2"/>
+            <a:r>
+              <a:rPr lang="en-US" dirty="0" err="1"/>
+              <a:t>network.http.phishy</a:t>
+            </a:r>
+            <a:r>
+              <a:rPr lang="en-US" dirty="0"/>
+              <a:t>-</a:t>
+            </a:r>
+            <a:r>
+              <a:rPr lang="en-US" dirty="0" err="1"/>
+              <a:t>userpass</a:t>
+            </a:r>
+            <a:r>
+              <a:rPr lang="en-US" dirty="0"/>
+              <a:t>-</a:t>
+            </a:r>
+            <a:r>
+              <a:rPr lang="en-US" dirty="0" smtClean="0"/>
+              <a:t>length = 255</a:t>
+            </a:r>
+          </a:p>
+          <a:p>
+            <a:r>
+              <a:rPr lang="en-US" dirty="0" smtClean="0"/>
+              <a:t>Selenium 2</a:t>
+            </a:r>
+          </a:p>
+          <a:p>
+            <a:pPr lvl="1"/>
+            <a:r>
+              <a:rPr lang="en-US" baseline="0" dirty="0" smtClean="0"/>
+              <a:t>Already supported in </a:t>
+            </a:r>
+            <a:r>
+              <a:rPr lang="en-US" baseline="0" dirty="0" err="1" smtClean="0"/>
+              <a:t>webdriver</a:t>
+            </a:r>
+            <a:r>
+              <a:rPr lang="en-US" baseline="0" dirty="0" smtClean="0"/>
+              <a:t> 2.14+</a:t>
+            </a:r>
+            <a:endParaRPr lang="en-US" dirty="0"/>
           </a:p>
         </p:txBody>
       </p:sp>
     </p:spTree>
     <p:extLst>
       <p:ext uri="{BB962C8B-B14F-4D97-AF65-F5344CB8AC3E}">
-        <p14:creationId xmlns:p14="http://schemas.microsoft.com/office/powerpoint/2010/main" val="1599785644"/>
+        <p14:creationId xmlns:p14="http://schemas.microsoft.com/office/powerpoint/2010/main" val="3448223750"/>
       </p:ext>
     </p:extLst>
   </p:cSld>
@@ -3880,9 +4302,14 @@
           <a:bodyPr/>
           <a:lstStyle/>
           <a:p>
-            <a:r>
-              <a:rPr lang="en-US" dirty="0" smtClean="0"/>
-              <a:t>Selectors</a:t>
+            <a:pPr lvl="0"/>
+            <a:r>
+              <a:rPr lang="en-US" dirty="0" smtClean="0"/>
+              <a:t>Auto</a:t>
+            </a:r>
+            <a:r>
+              <a:rPr lang="en-US" baseline="0" dirty="0" smtClean="0"/>
+              <a:t> download files</a:t>
             </a:r>
             <a:endParaRPr lang="en-US" dirty="0"/>
           </a:p>
@@ -3900,21 +4327,180 @@
         </p:nvSpPr>
         <p:spPr/>
         <p:txBody>
-          <a:bodyPr/>
-          <a:lstStyle/>
-          <a:p>
-            <a:r>
-              <a:rPr lang="en-US" smtClean="0"/>
-              <a:t>Capybara</a:t>
-            </a:r>
-            <a:endParaRPr lang="en-US"/>
+          <a:bodyPr>
+            <a:normAutofit fontScale="92500" lnSpcReduction="10000"/>
+          </a:bodyPr>
+          <a:lstStyle/>
+          <a:p>
+            <a:r>
+              <a:rPr lang="pl-PL" dirty="0" err="1" smtClean="0">
+                <a:solidFill>
+                  <a:schemeClr val="accent1"/>
+                </a:solidFill>
+              </a:rPr>
+              <a:t>browser.helperApps.neverAsk.saveToDisk</a:t>
+            </a:r>
+            <a:endParaRPr lang="pl-PL" dirty="0" smtClean="0">
+              <a:solidFill>
+                <a:schemeClr val="accent1"/>
+              </a:solidFill>
+            </a:endParaRPr>
+          </a:p>
+          <a:p>
+            <a:pPr lvl="1"/>
+            <a:r>
+              <a:rPr lang="pl-PL" dirty="0" smtClean="0"/>
+              <a:t>List of </a:t>
+            </a:r>
+            <a:r>
+              <a:rPr lang="pl-PL" dirty="0" err="1" smtClean="0"/>
+              <a:t>files</a:t>
+            </a:r>
+            <a:r>
+              <a:rPr lang="pl-PL" dirty="0" smtClean="0"/>
+              <a:t> </a:t>
+            </a:r>
+            <a:r>
+              <a:rPr lang="pl-PL" dirty="0" err="1" smtClean="0"/>
+              <a:t>types</a:t>
+            </a:r>
+            <a:r>
+              <a:rPr lang="pl-PL" dirty="0" smtClean="0"/>
+              <a:t> to </a:t>
+            </a:r>
+            <a:r>
+              <a:rPr lang="pl-PL" dirty="0" err="1" smtClean="0"/>
+              <a:t>always</a:t>
+            </a:r>
+            <a:r>
+              <a:rPr lang="pl-PL" dirty="0" smtClean="0"/>
+              <a:t> </a:t>
+            </a:r>
+            <a:r>
+              <a:rPr lang="pl-PL" dirty="0" err="1" smtClean="0"/>
+              <a:t>save</a:t>
+            </a:r>
+            <a:endParaRPr lang="pl-PL" dirty="0" smtClean="0"/>
+          </a:p>
+          <a:p>
+            <a:pPr lvl="2"/>
+            <a:r>
+              <a:rPr lang="en-US" dirty="0"/>
+              <a:t>application/</a:t>
+            </a:r>
+            <a:r>
+              <a:rPr lang="en-US" dirty="0" err="1" smtClean="0"/>
+              <a:t>pdf</a:t>
+            </a:r>
+            <a:endParaRPr lang="en-US" dirty="0" smtClean="0"/>
+          </a:p>
+          <a:p>
+            <a:pPr lvl="2"/>
+            <a:r>
+              <a:rPr lang="en-US" dirty="0"/>
+              <a:t>application/</a:t>
+            </a:r>
+            <a:r>
+              <a:rPr lang="en-US" dirty="0" smtClean="0"/>
+              <a:t>zip</a:t>
+            </a:r>
+          </a:p>
+          <a:p>
+            <a:pPr lvl="0"/>
+            <a:r>
+              <a:rPr lang="pl-PL" dirty="0" err="1" smtClean="0">
+                <a:solidFill>
+                  <a:srgbClr val="4F81BD"/>
+                </a:solidFill>
+              </a:rPr>
+              <a:t>browser.download.dir</a:t>
+            </a:r>
+            <a:endParaRPr lang="pl-PL" dirty="0" smtClean="0">
+              <a:solidFill>
+                <a:srgbClr val="4F81BD"/>
+              </a:solidFill>
+            </a:endParaRPr>
+          </a:p>
+          <a:p>
+            <a:pPr lvl="1"/>
+            <a:r>
+              <a:rPr lang="pl-PL" dirty="0" err="1" smtClean="0"/>
+              <a:t>Default</a:t>
+            </a:r>
+            <a:r>
+              <a:rPr lang="pl-PL" dirty="0" smtClean="0"/>
+              <a:t> folder to </a:t>
+            </a:r>
+            <a:r>
+              <a:rPr lang="pl-PL" dirty="0" err="1" smtClean="0"/>
+              <a:t>save</a:t>
+            </a:r>
+            <a:r>
+              <a:rPr lang="pl-PL" dirty="0" smtClean="0"/>
+              <a:t> </a:t>
+            </a:r>
+            <a:r>
+              <a:rPr lang="pl-PL" dirty="0" err="1" smtClean="0"/>
+              <a:t>files</a:t>
+            </a:r>
+            <a:r>
+              <a:rPr lang="pl-PL" dirty="0" smtClean="0"/>
+              <a:t> to</a:t>
+            </a:r>
+          </a:p>
+          <a:p>
+            <a:pPr lvl="1"/>
+            <a:r>
+              <a:rPr lang="pl-PL" dirty="0" err="1" smtClean="0">
+                <a:solidFill>
+                  <a:srgbClr val="4F81BD"/>
+                </a:solidFill>
+              </a:rPr>
+              <a:t>browser.download.lastDir</a:t>
+            </a:r>
+            <a:endParaRPr lang="pl-PL" dirty="0" smtClean="0">
+              <a:solidFill>
+                <a:srgbClr val="4F81BD"/>
+              </a:solidFill>
+            </a:endParaRPr>
+          </a:p>
+          <a:p>
+            <a:pPr lvl="2"/>
+            <a:r>
+              <a:rPr lang="en-US" dirty="0" smtClean="0"/>
+              <a:t>Last save directory</a:t>
+            </a:r>
+          </a:p>
+          <a:p>
+            <a:pPr lvl="0"/>
+            <a:r>
+              <a:rPr lang="pl-PL" dirty="0" err="1" smtClean="0">
+                <a:solidFill>
+                  <a:srgbClr val="4F81BD"/>
+                </a:solidFill>
+              </a:rPr>
+              <a:t>browser.download.folderList</a:t>
+            </a:r>
+            <a:endParaRPr lang="pl-PL" dirty="0" smtClean="0">
+              <a:solidFill>
+                <a:srgbClr val="4F81BD"/>
+              </a:solidFill>
+            </a:endParaRPr>
+          </a:p>
+          <a:p>
+            <a:pPr lvl="1"/>
+            <a:r>
+              <a:rPr lang="en-US" dirty="0" smtClean="0"/>
+              <a:t>Set 2, to auto save to the default folder</a:t>
+            </a:r>
+            <a:endParaRPr lang="en-US" dirty="0"/>
           </a:p>
         </p:txBody>
       </p:sp>
     </p:spTree>
     <p:extLst>
       <p:ext uri="{BB962C8B-B14F-4D97-AF65-F5344CB8AC3E}">
-        <p14:creationId xmlns:p14="http://schemas.microsoft.com/office/powerpoint/2010/main" val="3987413576"/>
+        <p14:creationId xmlns:p14="http://schemas.microsoft.com/office/powerpoint/2010/main" val="2575830095"/>
       </p:ext>
     </p:extLst>
   </p:cSld>
@@ -3958,7 +4544,11 @@
           <a:p>
             <a:r>
               <a:rPr lang="en-US" dirty="0" smtClean="0"/>
-              <a:t>iPhone</a:t>
+              <a:t>Parsing</a:t>
+            </a:r>
+            <a:r>
+              <a:rPr lang="en-US" baseline="0" dirty="0" smtClean="0"/>
+              <a:t> PDF</a:t>
             </a:r>
             <a:endParaRPr lang="en-US" dirty="0"/>
           </a:p>
@@ -3981,21 +4571,61 @@
           <a:p>
             <a:r>
               <a:rPr lang="en-US" dirty="0" smtClean="0"/>
-              <a:t>iPhone project</a:t>
-            </a:r>
-          </a:p>
-          <a:p>
-            <a:r>
-              <a:rPr lang="en-US" dirty="0" smtClean="0"/>
-              <a:t>Requirements</a:t>
-            </a:r>
+              <a:t>Ruby</a:t>
+            </a:r>
+          </a:p>
+          <a:p>
+            <a:pPr lvl="1"/>
+            <a:r>
+              <a:rPr lang="en-US" dirty="0" err="1" smtClean="0"/>
+              <a:t>pdf</a:t>
+            </a:r>
+            <a:r>
+              <a:rPr lang="en-US" dirty="0" smtClean="0"/>
+              <a:t>-reader gem</a:t>
+            </a:r>
+          </a:p>
+          <a:p>
+            <a:pPr lvl="0"/>
+            <a:r>
+              <a:rPr lang="en-US" dirty="0" smtClean="0"/>
+              <a:t>Java</a:t>
+            </a:r>
+          </a:p>
+          <a:p>
+            <a:pPr marL="742950" marR="0" lvl="1" indent="-285750" algn="l" defTabSz="914400" rtl="0" eaLnBrk="1" fontAlgn="auto" latinLnBrk="0" hangingPunct="1">
+              <a:lnSpc>
+                <a:spcPct val="100000"/>
+              </a:lnSpc>
+              <a:spcBef>
+                <a:spcPct val="20000"/>
+              </a:spcBef>
+              <a:spcAft>
+                <a:spcPts val="0"/>
+              </a:spcAft>
+              <a:buClrTx/>
+              <a:buSzTx/>
+              <a:buFont typeface="Arial" pitchFamily="34" charset="0"/>
+              <a:buChar char="–"/>
+              <a:tabLst/>
+              <a:defRPr/>
+            </a:pPr>
+            <a:r>
+              <a:rPr lang="de-DE" b="1" dirty="0" smtClean="0"/>
+              <a:t>Apache </a:t>
+            </a:r>
+            <a:r>
+              <a:rPr lang="de-DE" b="1" dirty="0" err="1" smtClean="0"/>
+              <a:t>PDFBox</a:t>
+            </a:r>
+            <a:endParaRPr lang="de-DE" b="1" dirty="0" smtClean="0"/>
           </a:p>
         </p:txBody>
       </p:sp>
     </p:spTree>
     <p:extLst>
       <p:ext uri="{BB962C8B-B14F-4D97-AF65-F5344CB8AC3E}">
-        <p14:creationId xmlns:p14="http://schemas.microsoft.com/office/powerpoint/2010/main" val="2587841811"/>
+        <p14:creationId xmlns:p14="http://schemas.microsoft.com/office/powerpoint/2010/main" val="3543929356"/>
       </p:ext>
     </p:extLst>
   </p:cSld>
@@ -4039,50 +4669,44 @@
           <a:p>
             <a:r>
               <a:rPr lang="en-US" dirty="0" smtClean="0"/>
-              <a:t>Wait</a:t>
+              <a:t>Resume</a:t>
+            </a:r>
+            <a:endParaRPr lang="en-US" dirty="0"/>
+          </a:p>
+        </p:txBody>
+      </p:sp>
+      <p:sp>
+        <p:nvSpPr>
+          <p:cNvPr id="3" name="Content Placeholder 2"/>
+          <p:cNvSpPr>
+            <a:spLocks noGrp="1"/>
+          </p:cNvSpPr>
+          <p:nvPr>
+            <p:ph idx="1"/>
+          </p:nvPr>
+        </p:nvSpPr>
+        <p:spPr/>
+        <p:txBody>
+          <a:bodyPr/>
+          <a:lstStyle/>
+          <a:p>
+            <a:r>
+              <a:rPr lang="en-US" dirty="0" smtClean="0"/>
+              <a:t>Worked with Selenium</a:t>
             </a:r>
             <a:r>
               <a:rPr lang="en-US" baseline="0" dirty="0" smtClean="0"/>
-              <a:t> For AJAX</a:t>
-            </a:r>
-            <a:endParaRPr lang="en-US" dirty="0"/>
-          </a:p>
-        </p:txBody>
-      </p:sp>
-      <p:sp>
-        <p:nvSpPr>
-          <p:cNvPr id="3" name="Content Placeholder 2"/>
-          <p:cNvSpPr>
-            <a:spLocks noGrp="1"/>
-          </p:cNvSpPr>
-          <p:nvPr>
-            <p:ph idx="1"/>
-          </p:nvPr>
-        </p:nvSpPr>
-        <p:spPr/>
-        <p:txBody>
-          <a:bodyPr/>
-          <a:lstStyle/>
-          <a:p>
-            <a:r>
-              <a:rPr lang="en-US" dirty="0" smtClean="0"/>
-              <a:t>More web</a:t>
-            </a:r>
+              <a:t> for 5 years</a:t>
+            </a:r>
+          </a:p>
+          <a:p>
             <a:r>
               <a:rPr lang="en-US" baseline="0" dirty="0" smtClean="0"/>
-              <a:t> applications use AJAX to load content</a:t>
-            </a:r>
-          </a:p>
-          <a:p>
-            <a:r>
-              <a:rPr lang="en-US" baseline="0" dirty="0" smtClean="0"/>
-              <a:t>Selenium is not very smart about AJAX</a:t>
-            </a:r>
-          </a:p>
-          <a:p>
-            <a:r>
-              <a:rPr lang="en-US" baseline="0" dirty="0" smtClean="0"/>
-              <a:t>You need to add your own wait for AJAX method</a:t>
+              <a:t>Currently working </a:t>
+            </a:r>
+            <a:r>
+              <a:rPr lang="en-US" baseline="0" smtClean="0"/>
+              <a:t>at Groupon</a:t>
             </a:r>
             <a:endParaRPr lang="en-US" dirty="0"/>
           </a:p>
@@ -4091,7 +4715,848 @@
     </p:spTree>
     <p:extLst>
       <p:ext uri="{BB962C8B-B14F-4D97-AF65-F5344CB8AC3E}">
-        <p14:creationId xmlns:p14="http://schemas.microsoft.com/office/powerpoint/2010/main" val="2849242526"/>
+        <p14:creationId xmlns:p14="http://schemas.microsoft.com/office/powerpoint/2010/main" val="4279319113"/>
+      </p:ext>
+    </p:extLst>
+  </p:cSld>
+  <p:clrMapOvr>
+    <a:masterClrMapping/>
+  </p:clrMapOvr>
+</p:sld>
+</file>
+
+<file path=ppt/slides/slide20.xml><?xml version="1.0" encoding="utf-8"?>
+<p:sld xmlns:a="http://schemas.openxmlformats.org/drawingml/2006/main" xmlns:r="http://schemas.openxmlformats.org/officeDocument/2006/relationships" xmlns:p="http://schemas.openxmlformats.org/presentationml/2006/main">
+  <p:cSld>
+    <p:spTree>
+      <p:nvGrpSpPr>
+        <p:cNvPr id="1" name=""/>
+        <p:cNvGrpSpPr/>
+        <p:nvPr/>
+      </p:nvGrpSpPr>
+      <p:grpSpPr>
+        <a:xfrm>
+          <a:off x="0" y="0"/>
+          <a:ext cx="0" cy="0"/>
+          <a:chOff x="0" y="0"/>
+          <a:chExt cx="0" cy="0"/>
+        </a:xfrm>
+      </p:grpSpPr>
+      <p:sp>
+        <p:nvSpPr>
+          <p:cNvPr id="2" name="Title 1"/>
+          <p:cNvSpPr>
+            <a:spLocks noGrp="1"/>
+          </p:cNvSpPr>
+          <p:nvPr>
+            <p:ph type="title"/>
+          </p:nvPr>
+        </p:nvSpPr>
+        <p:spPr/>
+        <p:txBody>
+          <a:bodyPr/>
+          <a:lstStyle/>
+          <a:p>
+            <a:r>
+              <a:rPr lang="en-US" dirty="0" smtClean="0"/>
+              <a:t>Headless Tests</a:t>
+            </a:r>
+            <a:endParaRPr lang="en-US" dirty="0"/>
+          </a:p>
+        </p:txBody>
+      </p:sp>
+      <p:sp>
+        <p:nvSpPr>
+          <p:cNvPr id="3" name="Content Placeholder 2"/>
+          <p:cNvSpPr>
+            <a:spLocks noGrp="1"/>
+          </p:cNvSpPr>
+          <p:nvPr>
+            <p:ph idx="1"/>
+          </p:nvPr>
+        </p:nvSpPr>
+        <p:spPr/>
+        <p:txBody>
+          <a:bodyPr/>
+          <a:lstStyle/>
+          <a:p>
+            <a:pPr lvl="0"/>
+            <a:r>
+              <a:rPr lang="en-US" dirty="0" err="1" smtClean="0"/>
+              <a:t>HTMLUnit</a:t>
+            </a:r>
+            <a:endParaRPr lang="en-US" dirty="0" smtClean="0"/>
+          </a:p>
+          <a:p>
+            <a:pPr lvl="1"/>
+            <a:r>
+              <a:rPr lang="en-US" dirty="0" smtClean="0"/>
+              <a:t>Built</a:t>
+            </a:r>
+            <a:r>
+              <a:rPr lang="en-US" baseline="0" dirty="0" smtClean="0"/>
+              <a:t> into Selenium2 stand alone jar</a:t>
+            </a:r>
+          </a:p>
+          <a:p>
+            <a:pPr lvl="1"/>
+            <a:r>
+              <a:rPr lang="en-US" baseline="0" dirty="0" smtClean="0"/>
+              <a:t>Runs 2x faster for simple page loads</a:t>
+            </a:r>
+          </a:p>
+          <a:p>
+            <a:pPr lvl="1"/>
+            <a:r>
+              <a:rPr lang="en-US" dirty="0" smtClean="0"/>
+              <a:t>Emulates browsers</a:t>
+            </a:r>
+          </a:p>
+          <a:p>
+            <a:pPr lvl="2"/>
+            <a:r>
+              <a:rPr lang="en-US" dirty="0" smtClean="0"/>
+              <a:t>IE</a:t>
+            </a:r>
+          </a:p>
+          <a:p>
+            <a:pPr lvl="2"/>
+            <a:r>
+              <a:rPr lang="en-US" dirty="0" smtClean="0"/>
+              <a:t>Firefox</a:t>
+            </a:r>
+            <a:endParaRPr lang="en-US" dirty="0" smtClean="0"/>
+          </a:p>
+          <a:p>
+            <a:r>
+              <a:rPr lang="en-US" dirty="0" smtClean="0"/>
+              <a:t>capybara-</a:t>
+            </a:r>
+            <a:r>
+              <a:rPr lang="en-US" dirty="0" err="1" smtClean="0"/>
+              <a:t>webkit</a:t>
+            </a:r>
+            <a:endParaRPr lang="en-US" dirty="0" smtClean="0"/>
+          </a:p>
+          <a:p>
+            <a:pPr lvl="1"/>
+            <a:r>
+              <a:rPr lang="en-US" dirty="0" smtClean="0"/>
+              <a:t>https://</a:t>
+            </a:r>
+            <a:r>
+              <a:rPr lang="en-US" dirty="0" err="1" smtClean="0"/>
+              <a:t>github.com</a:t>
+            </a:r>
+            <a:r>
+              <a:rPr lang="en-US" dirty="0" smtClean="0"/>
+              <a:t>/</a:t>
+            </a:r>
+            <a:r>
+              <a:rPr lang="en-US" dirty="0" err="1" smtClean="0"/>
+              <a:t>thoughtbot</a:t>
+            </a:r>
+            <a:r>
+              <a:rPr lang="en-US" dirty="0" smtClean="0"/>
+              <a:t>/capybara-</a:t>
+            </a:r>
+            <a:r>
+              <a:rPr lang="en-US" dirty="0" err="1" smtClean="0"/>
+              <a:t>webkit</a:t>
+            </a:r>
+            <a:endParaRPr lang="en-US" dirty="0"/>
+          </a:p>
+        </p:txBody>
+      </p:sp>
+    </p:spTree>
+    <p:extLst>
+      <p:ext uri="{BB962C8B-B14F-4D97-AF65-F5344CB8AC3E}">
+        <p14:creationId xmlns:p14="http://schemas.microsoft.com/office/powerpoint/2010/main" val="812875454"/>
+      </p:ext>
+    </p:extLst>
+  </p:cSld>
+  <p:clrMapOvr>
+    <a:masterClrMapping/>
+  </p:clrMapOvr>
+</p:sld>
+</file>
+
+<file path=ppt/slides/slide21.xml><?xml version="1.0" encoding="utf-8"?>
+<p:sld xmlns:a="http://schemas.openxmlformats.org/drawingml/2006/main" xmlns:r="http://schemas.openxmlformats.org/officeDocument/2006/relationships" xmlns:p="http://schemas.openxmlformats.org/presentationml/2006/main">
+  <p:cSld>
+    <p:spTree>
+      <p:nvGrpSpPr>
+        <p:cNvPr id="1" name=""/>
+        <p:cNvGrpSpPr/>
+        <p:nvPr/>
+      </p:nvGrpSpPr>
+      <p:grpSpPr>
+        <a:xfrm>
+          <a:off x="0" y="0"/>
+          <a:ext cx="0" cy="0"/>
+          <a:chOff x="0" y="0"/>
+          <a:chExt cx="0" cy="0"/>
+        </a:xfrm>
+      </p:grpSpPr>
+      <p:sp>
+        <p:nvSpPr>
+          <p:cNvPr id="2" name="Title 1"/>
+          <p:cNvSpPr>
+            <a:spLocks noGrp="1"/>
+          </p:cNvSpPr>
+          <p:nvPr>
+            <p:ph type="title"/>
+          </p:nvPr>
+        </p:nvSpPr>
+        <p:spPr/>
+        <p:txBody>
+          <a:bodyPr/>
+          <a:lstStyle/>
+          <a:p>
+            <a:r>
+              <a:rPr lang="en-US" dirty="0" smtClean="0"/>
+              <a:t>Parallel</a:t>
+            </a:r>
+            <a:endParaRPr lang="en-US" dirty="0"/>
+          </a:p>
+        </p:txBody>
+      </p:sp>
+      <p:sp>
+        <p:nvSpPr>
+          <p:cNvPr id="3" name="Content Placeholder 2"/>
+          <p:cNvSpPr>
+            <a:spLocks noGrp="1"/>
+          </p:cNvSpPr>
+          <p:nvPr>
+            <p:ph idx="1"/>
+          </p:nvPr>
+        </p:nvSpPr>
+        <p:spPr/>
+        <p:txBody>
+          <a:bodyPr/>
+          <a:lstStyle/>
+          <a:p>
+            <a:r>
+              <a:rPr lang="en-US" dirty="0" smtClean="0"/>
+              <a:t>Using</a:t>
+            </a:r>
+            <a:r>
+              <a:rPr lang="en-US" baseline="0" dirty="0" smtClean="0"/>
+              <a:t> fork in </a:t>
+            </a:r>
+            <a:r>
+              <a:rPr lang="en-US" baseline="0" dirty="0" err="1" smtClean="0"/>
+              <a:t>linux</a:t>
+            </a:r>
+            <a:r>
+              <a:rPr lang="en-US" baseline="0" dirty="0" smtClean="0"/>
+              <a:t> based systems</a:t>
+            </a:r>
+          </a:p>
+          <a:p>
+            <a:pPr lvl="0"/>
+            <a:r>
+              <a:rPr lang="en-US" baseline="0" dirty="0" smtClean="0"/>
+              <a:t>Windows does not have fork support </a:t>
+            </a:r>
+            <a:r>
+              <a:rPr lang="en-US" baseline="0" dirty="0" smtClean="0">
+                <a:sym typeface="Wingdings"/>
+              </a:rPr>
+              <a:t></a:t>
+            </a:r>
+          </a:p>
+          <a:p>
+            <a:pPr lvl="0"/>
+            <a:r>
+              <a:rPr lang="en-US" baseline="0" dirty="0" smtClean="0">
+                <a:sym typeface="Wingdings"/>
+              </a:rPr>
+              <a:t>Ruby</a:t>
+            </a:r>
+          </a:p>
+          <a:p>
+            <a:pPr lvl="1"/>
+            <a:r>
+              <a:rPr lang="en-US" baseline="0" dirty="0" err="1" smtClean="0"/>
+              <a:t>parallel_tests</a:t>
+            </a:r>
+            <a:r>
+              <a:rPr lang="en-US" baseline="0" dirty="0" smtClean="0"/>
+              <a:t> gem</a:t>
+            </a:r>
+          </a:p>
+          <a:p>
+            <a:pPr lvl="1"/>
+            <a:r>
+              <a:rPr lang="en-US" baseline="0" dirty="0" smtClean="0"/>
+              <a:t>Or just parallel gem</a:t>
+            </a:r>
+          </a:p>
+        </p:txBody>
+      </p:sp>
+    </p:spTree>
+    <p:extLst>
+      <p:ext uri="{BB962C8B-B14F-4D97-AF65-F5344CB8AC3E}">
+        <p14:creationId xmlns:p14="http://schemas.microsoft.com/office/powerpoint/2010/main" val="3109283922"/>
+      </p:ext>
+    </p:extLst>
+  </p:cSld>
+  <p:clrMapOvr>
+    <a:masterClrMapping/>
+  </p:clrMapOvr>
+</p:sld>
+</file>
+
+<file path=ppt/slides/slide22.xml><?xml version="1.0" encoding="utf-8"?>
+<p:sld xmlns:a="http://schemas.openxmlformats.org/drawingml/2006/main" xmlns:r="http://schemas.openxmlformats.org/officeDocument/2006/relationships" xmlns:p="http://schemas.openxmlformats.org/presentationml/2006/main">
+  <p:cSld>
+    <p:spTree>
+      <p:nvGrpSpPr>
+        <p:cNvPr id="1" name=""/>
+        <p:cNvGrpSpPr/>
+        <p:nvPr/>
+      </p:nvGrpSpPr>
+      <p:grpSpPr>
+        <a:xfrm>
+          <a:off x="0" y="0"/>
+          <a:ext cx="0" cy="0"/>
+          <a:chOff x="0" y="0"/>
+          <a:chExt cx="0" cy="0"/>
+        </a:xfrm>
+      </p:grpSpPr>
+      <p:sp>
+        <p:nvSpPr>
+          <p:cNvPr id="2" name="Title 1"/>
+          <p:cNvSpPr>
+            <a:spLocks noGrp="1"/>
+          </p:cNvSpPr>
+          <p:nvPr>
+            <p:ph type="title"/>
+          </p:nvPr>
+        </p:nvSpPr>
+        <p:spPr/>
+        <p:txBody>
+          <a:bodyPr/>
+          <a:lstStyle/>
+          <a:p>
+            <a:r>
+              <a:rPr lang="en-US" dirty="0" smtClean="0"/>
+              <a:t>Parallel Tips</a:t>
+            </a:r>
+            <a:endParaRPr lang="en-US" dirty="0"/>
+          </a:p>
+        </p:txBody>
+      </p:sp>
+      <p:sp>
+        <p:nvSpPr>
+          <p:cNvPr id="3" name="Content Placeholder 2"/>
+          <p:cNvSpPr>
+            <a:spLocks noGrp="1"/>
+          </p:cNvSpPr>
+          <p:nvPr>
+            <p:ph idx="1"/>
+          </p:nvPr>
+        </p:nvSpPr>
+        <p:spPr/>
+        <p:txBody>
+          <a:bodyPr/>
+          <a:lstStyle/>
+          <a:p>
+            <a:r>
+              <a:rPr lang="en-US" dirty="0" smtClean="0"/>
+              <a:t>Use separate databases</a:t>
+            </a:r>
+            <a:r>
+              <a:rPr lang="en-US" baseline="0" dirty="0" smtClean="0"/>
+              <a:t> for each test run</a:t>
+            </a:r>
+          </a:p>
+          <a:p>
+            <a:r>
+              <a:rPr lang="en-US" baseline="0" dirty="0" smtClean="0"/>
+              <a:t>Tests cannot depend on each other</a:t>
+            </a:r>
+          </a:p>
+          <a:p>
+            <a:r>
+              <a:rPr lang="en-US" baseline="0" dirty="0" smtClean="0"/>
+              <a:t>Run in separate DISPLAYs on </a:t>
+            </a:r>
+            <a:r>
+              <a:rPr lang="en-US" baseline="0" dirty="0" err="1" smtClean="0"/>
+              <a:t>linux</a:t>
+            </a:r>
+            <a:r>
+              <a:rPr lang="en-US" baseline="0" dirty="0" smtClean="0"/>
+              <a:t> boxes</a:t>
+            </a:r>
+            <a:endParaRPr lang="en-US" dirty="0"/>
+          </a:p>
+        </p:txBody>
+      </p:sp>
+    </p:spTree>
+    <p:extLst>
+      <p:ext uri="{BB962C8B-B14F-4D97-AF65-F5344CB8AC3E}">
+        <p14:creationId xmlns:p14="http://schemas.microsoft.com/office/powerpoint/2010/main" val="4111045771"/>
+      </p:ext>
+    </p:extLst>
+  </p:cSld>
+  <p:clrMapOvr>
+    <a:masterClrMapping/>
+  </p:clrMapOvr>
+</p:sld>
+</file>
+
+<file path=ppt/slides/slide23.xml><?xml version="1.0" encoding="utf-8"?>
+<p:sld xmlns:a="http://schemas.openxmlformats.org/drawingml/2006/main" xmlns:r="http://schemas.openxmlformats.org/officeDocument/2006/relationships" xmlns:p="http://schemas.openxmlformats.org/presentationml/2006/main">
+  <p:cSld>
+    <p:spTree>
+      <p:nvGrpSpPr>
+        <p:cNvPr id="1" name=""/>
+        <p:cNvGrpSpPr/>
+        <p:nvPr/>
+      </p:nvGrpSpPr>
+      <p:grpSpPr>
+        <a:xfrm>
+          <a:off x="0" y="0"/>
+          <a:ext cx="0" cy="0"/>
+          <a:chOff x="0" y="0"/>
+          <a:chExt cx="0" cy="0"/>
+        </a:xfrm>
+      </p:grpSpPr>
+      <p:sp>
+        <p:nvSpPr>
+          <p:cNvPr id="2" name="Title 1"/>
+          <p:cNvSpPr>
+            <a:spLocks noGrp="1"/>
+          </p:cNvSpPr>
+          <p:nvPr>
+            <p:ph type="title"/>
+          </p:nvPr>
+        </p:nvSpPr>
+        <p:spPr/>
+        <p:txBody>
+          <a:bodyPr/>
+          <a:lstStyle/>
+          <a:p>
+            <a:r>
+              <a:rPr lang="en-US" dirty="0" smtClean="0"/>
+              <a:t>Sauce</a:t>
+            </a:r>
+            <a:endParaRPr lang="en-US" dirty="0"/>
+          </a:p>
+        </p:txBody>
+      </p:sp>
+      <p:sp>
+        <p:nvSpPr>
+          <p:cNvPr id="3" name="Content Placeholder 2"/>
+          <p:cNvSpPr>
+            <a:spLocks noGrp="1"/>
+          </p:cNvSpPr>
+          <p:nvPr>
+            <p:ph idx="1"/>
+          </p:nvPr>
+        </p:nvSpPr>
+        <p:spPr/>
+        <p:txBody>
+          <a:bodyPr/>
+          <a:lstStyle/>
+          <a:p>
+            <a:pPr lvl="0"/>
+            <a:r>
+              <a:rPr lang="en-US" dirty="0" smtClean="0"/>
+              <a:t>Run selenium</a:t>
+            </a:r>
+            <a:r>
+              <a:rPr lang="en-US" baseline="0" dirty="0" smtClean="0"/>
+              <a:t> on </a:t>
+            </a:r>
+          </a:p>
+          <a:p>
+            <a:pPr lvl="1"/>
+            <a:r>
+              <a:rPr lang="en-US" baseline="0" dirty="0" smtClean="0"/>
+              <a:t>Multiple browsers</a:t>
+            </a:r>
+          </a:p>
+          <a:p>
+            <a:pPr lvl="1"/>
+            <a:r>
+              <a:rPr lang="en-US" baseline="0" dirty="0" smtClean="0"/>
+              <a:t>Operating systems</a:t>
+            </a:r>
+          </a:p>
+          <a:p>
+            <a:pPr lvl="1"/>
+            <a:r>
+              <a:rPr lang="en-US" baseline="0" dirty="0" smtClean="0"/>
+              <a:t>In parallel</a:t>
+            </a:r>
+          </a:p>
+          <a:p>
+            <a:pPr lvl="1"/>
+            <a:r>
+              <a:rPr lang="en-US" baseline="0" dirty="0" smtClean="0"/>
+              <a:t>EC2 cloud</a:t>
+            </a:r>
+          </a:p>
+          <a:p>
+            <a:pPr lvl="0"/>
+            <a:r>
+              <a:rPr lang="en-US" baseline="0" dirty="0" smtClean="0"/>
+              <a:t>Selenium 1 &amp; 2 support</a:t>
+            </a:r>
+          </a:p>
+          <a:p>
+            <a:pPr lvl="0"/>
+            <a:r>
+              <a:rPr lang="en-US" baseline="0" dirty="0" smtClean="0"/>
+              <a:t>Screenshots of every step</a:t>
+            </a:r>
+          </a:p>
+          <a:p>
+            <a:pPr lvl="0"/>
+            <a:r>
+              <a:rPr lang="en-US" baseline="0" dirty="0" smtClean="0"/>
+              <a:t>Movie of every test</a:t>
+            </a:r>
+          </a:p>
+        </p:txBody>
+      </p:sp>
+    </p:spTree>
+    <p:extLst>
+      <p:ext uri="{BB962C8B-B14F-4D97-AF65-F5344CB8AC3E}">
+        <p14:creationId xmlns:p14="http://schemas.microsoft.com/office/powerpoint/2010/main" val="2214837227"/>
+      </p:ext>
+    </p:extLst>
+  </p:cSld>
+  <p:clrMapOvr>
+    <a:masterClrMapping/>
+  </p:clrMapOvr>
+</p:sld>
+</file>
+
+<file path=ppt/slides/slide24.xml><?xml version="1.0" encoding="utf-8"?>
+<p:sld xmlns:a="http://schemas.openxmlformats.org/drawingml/2006/main" xmlns:r="http://schemas.openxmlformats.org/officeDocument/2006/relationships" xmlns:p="http://schemas.openxmlformats.org/presentationml/2006/main">
+  <p:cSld>
+    <p:spTree>
+      <p:nvGrpSpPr>
+        <p:cNvPr id="1" name=""/>
+        <p:cNvGrpSpPr/>
+        <p:nvPr/>
+      </p:nvGrpSpPr>
+      <p:grpSpPr>
+        <a:xfrm>
+          <a:off x="0" y="0"/>
+          <a:ext cx="0" cy="0"/>
+          <a:chOff x="0" y="0"/>
+          <a:chExt cx="0" cy="0"/>
+        </a:xfrm>
+      </p:grpSpPr>
+      <p:sp>
+        <p:nvSpPr>
+          <p:cNvPr id="2" name="Title 1"/>
+          <p:cNvSpPr>
+            <a:spLocks noGrp="1"/>
+          </p:cNvSpPr>
+          <p:nvPr>
+            <p:ph type="title"/>
+          </p:nvPr>
+        </p:nvSpPr>
+        <p:spPr/>
+        <p:txBody>
+          <a:bodyPr/>
+          <a:lstStyle/>
+          <a:p>
+            <a:r>
+              <a:rPr lang="en-US" dirty="0" smtClean="0"/>
+              <a:t>Sauce connect</a:t>
+            </a:r>
+            <a:endParaRPr lang="en-US" dirty="0"/>
+          </a:p>
+        </p:txBody>
+      </p:sp>
+      <p:sp>
+        <p:nvSpPr>
+          <p:cNvPr id="3" name="Content Placeholder 2"/>
+          <p:cNvSpPr>
+            <a:spLocks noGrp="1"/>
+          </p:cNvSpPr>
+          <p:nvPr>
+            <p:ph idx="1"/>
+          </p:nvPr>
+        </p:nvSpPr>
+        <p:spPr/>
+        <p:txBody>
+          <a:bodyPr/>
+          <a:lstStyle/>
+          <a:p>
+            <a:r>
+              <a:rPr lang="en-US" dirty="0" smtClean="0"/>
+              <a:t>Small</a:t>
+            </a:r>
+            <a:r>
+              <a:rPr lang="en-US" baseline="0" dirty="0" smtClean="0"/>
+              <a:t> Java application</a:t>
+            </a:r>
+          </a:p>
+          <a:p>
+            <a:r>
+              <a:rPr lang="en-US" baseline="0" dirty="0" smtClean="0"/>
+              <a:t>Sets up SSH tunnel between local computer and EC2</a:t>
+            </a:r>
+          </a:p>
+          <a:p>
+            <a:r>
+              <a:rPr lang="en-US" baseline="0" dirty="0" smtClean="0"/>
+              <a:t>Allows Selenium tests to run against internal “Staging” servers</a:t>
+            </a:r>
+            <a:endParaRPr lang="en-US" dirty="0"/>
+          </a:p>
+        </p:txBody>
+      </p:sp>
+    </p:spTree>
+    <p:extLst>
+      <p:ext uri="{BB962C8B-B14F-4D97-AF65-F5344CB8AC3E}">
+        <p14:creationId xmlns:p14="http://schemas.microsoft.com/office/powerpoint/2010/main" val="3536135655"/>
+      </p:ext>
+    </p:extLst>
+  </p:cSld>
+  <p:clrMapOvr>
+    <a:masterClrMapping/>
+  </p:clrMapOvr>
+</p:sld>
+</file>
+
+<file path=ppt/slides/slide25.xml><?xml version="1.0" encoding="utf-8"?>
+<p:sld xmlns:a="http://schemas.openxmlformats.org/drawingml/2006/main" xmlns:r="http://schemas.openxmlformats.org/officeDocument/2006/relationships" xmlns:p="http://schemas.openxmlformats.org/presentationml/2006/main">
+  <p:cSld>
+    <p:spTree>
+      <p:nvGrpSpPr>
+        <p:cNvPr id="1" name=""/>
+        <p:cNvGrpSpPr/>
+        <p:nvPr/>
+      </p:nvGrpSpPr>
+      <p:grpSpPr>
+        <a:xfrm>
+          <a:off x="0" y="0"/>
+          <a:ext cx="0" cy="0"/>
+          <a:chOff x="0" y="0"/>
+          <a:chExt cx="0" cy="0"/>
+        </a:xfrm>
+      </p:grpSpPr>
+      <p:sp>
+        <p:nvSpPr>
+          <p:cNvPr id="2" name="Title 1"/>
+          <p:cNvSpPr>
+            <a:spLocks noGrp="1"/>
+          </p:cNvSpPr>
+          <p:nvPr>
+            <p:ph type="title"/>
+          </p:nvPr>
+        </p:nvSpPr>
+        <p:spPr/>
+        <p:txBody>
+          <a:bodyPr/>
+          <a:lstStyle/>
+          <a:p>
+            <a:r>
+              <a:rPr lang="en-US" dirty="0" smtClean="0"/>
+              <a:t>iPhone</a:t>
+            </a:r>
+            <a:endParaRPr lang="en-US" dirty="0"/>
+          </a:p>
+        </p:txBody>
+      </p:sp>
+      <p:sp>
+        <p:nvSpPr>
+          <p:cNvPr id="3" name="Content Placeholder 2"/>
+          <p:cNvSpPr>
+            <a:spLocks noGrp="1"/>
+          </p:cNvSpPr>
+          <p:nvPr>
+            <p:ph idx="1"/>
+          </p:nvPr>
+        </p:nvSpPr>
+        <p:spPr/>
+        <p:txBody>
+          <a:bodyPr/>
+          <a:lstStyle/>
+          <a:p>
+            <a:r>
+              <a:rPr lang="en-US" dirty="0" smtClean="0"/>
+              <a:t>Use iPhone Simulator’s Safari Browser</a:t>
+            </a:r>
+          </a:p>
+          <a:p>
+            <a:r>
+              <a:rPr lang="en-US" dirty="0" smtClean="0"/>
+              <a:t>Need </a:t>
+            </a:r>
+            <a:r>
+              <a:rPr lang="en-US" dirty="0" err="1" smtClean="0"/>
+              <a:t>Xcode</a:t>
+            </a:r>
+            <a:r>
+              <a:rPr lang="en-US" dirty="0" smtClean="0"/>
+              <a:t>,</a:t>
+            </a:r>
+            <a:r>
+              <a:rPr lang="en-US" baseline="0" dirty="0" smtClean="0"/>
+              <a:t> developer account</a:t>
+            </a:r>
+            <a:endParaRPr lang="en-US" dirty="0" smtClean="0"/>
+          </a:p>
+          <a:p>
+            <a:r>
+              <a:rPr lang="en-US" dirty="0" smtClean="0"/>
+              <a:t>No</a:t>
+            </a:r>
+            <a:r>
+              <a:rPr lang="en-US" baseline="0" dirty="0" smtClean="0"/>
+              <a:t> parallel support </a:t>
+            </a:r>
+            <a:r>
+              <a:rPr lang="en-US" baseline="0" dirty="0" smtClean="0">
+                <a:sym typeface="Wingdings"/>
+              </a:rPr>
+              <a:t></a:t>
+            </a:r>
+          </a:p>
+          <a:p>
+            <a:r>
+              <a:rPr lang="en-US" baseline="0" dirty="0" smtClean="0">
+                <a:sym typeface="Wingdings"/>
+              </a:rPr>
+              <a:t>JS alert support is very bad </a:t>
+            </a:r>
+          </a:p>
+        </p:txBody>
+      </p:sp>
+    </p:spTree>
+    <p:extLst>
+      <p:ext uri="{BB962C8B-B14F-4D97-AF65-F5344CB8AC3E}">
+        <p14:creationId xmlns:p14="http://schemas.microsoft.com/office/powerpoint/2010/main" val="2587841811"/>
+      </p:ext>
+    </p:extLst>
+  </p:cSld>
+  <p:clrMapOvr>
+    <a:masterClrMapping/>
+  </p:clrMapOvr>
+</p:sld>
+</file>
+
+<file path=ppt/slides/slide26.xml><?xml version="1.0" encoding="utf-8"?>
+<p:sld xmlns:a="http://schemas.openxmlformats.org/drawingml/2006/main" xmlns:r="http://schemas.openxmlformats.org/officeDocument/2006/relationships" xmlns:p="http://schemas.openxmlformats.org/presentationml/2006/main">
+  <p:cSld>
+    <p:spTree>
+      <p:nvGrpSpPr>
+        <p:cNvPr id="1" name=""/>
+        <p:cNvGrpSpPr/>
+        <p:nvPr/>
+      </p:nvGrpSpPr>
+      <p:grpSpPr>
+        <a:xfrm>
+          <a:off x="0" y="0"/>
+          <a:ext cx="0" cy="0"/>
+          <a:chOff x="0" y="0"/>
+          <a:chExt cx="0" cy="0"/>
+        </a:xfrm>
+      </p:grpSpPr>
+      <p:sp>
+        <p:nvSpPr>
+          <p:cNvPr id="2" name="Title 1"/>
+          <p:cNvSpPr>
+            <a:spLocks noGrp="1"/>
+          </p:cNvSpPr>
+          <p:nvPr>
+            <p:ph type="title"/>
+          </p:nvPr>
+        </p:nvSpPr>
+        <p:spPr/>
+        <p:txBody>
+          <a:bodyPr/>
+          <a:lstStyle/>
+          <a:p>
+            <a:r>
+              <a:rPr lang="en-US" dirty="0" smtClean="0"/>
+              <a:t>iPhone</a:t>
+            </a:r>
+            <a:r>
+              <a:rPr lang="en-US" baseline="0" dirty="0" smtClean="0"/>
+              <a:t> application testing</a:t>
+            </a:r>
+            <a:endParaRPr lang="en-US" dirty="0"/>
+          </a:p>
+        </p:txBody>
+      </p:sp>
+      <p:sp>
+        <p:nvSpPr>
+          <p:cNvPr id="3" name="Content Placeholder 2"/>
+          <p:cNvSpPr>
+            <a:spLocks noGrp="1"/>
+          </p:cNvSpPr>
+          <p:nvPr>
+            <p:ph idx="1"/>
+          </p:nvPr>
+        </p:nvSpPr>
+        <p:spPr/>
+        <p:txBody>
+          <a:bodyPr/>
+          <a:lstStyle/>
+          <a:p>
+            <a:r>
+              <a:rPr lang="en-US" dirty="0" smtClean="0"/>
+              <a:t>Not selenium per se…</a:t>
+            </a:r>
+          </a:p>
+          <a:p>
+            <a:r>
+              <a:rPr lang="en-US" dirty="0" smtClean="0"/>
+              <a:t>You can test</a:t>
+            </a:r>
+            <a:r>
+              <a:rPr lang="en-US" baseline="0" dirty="0" smtClean="0"/>
+              <a:t> applications using Frank project</a:t>
+            </a:r>
+          </a:p>
+          <a:p>
+            <a:pPr lvl="1"/>
+            <a:r>
+              <a:rPr lang="en-US" dirty="0" smtClean="0">
+                <a:hlinkClick r:id="rId2"/>
+              </a:rPr>
+              <a:t>http://www.testingwithfrank.com/</a:t>
+            </a:r>
+            <a:endParaRPr lang="en-US" dirty="0" smtClean="0"/>
+          </a:p>
+          <a:p>
+            <a:pPr lvl="1"/>
+            <a:r>
+              <a:rPr lang="pt-BR" dirty="0" err="1" smtClean="0"/>
+              <a:t>http</a:t>
+            </a:r>
+            <a:r>
+              <a:rPr lang="pt-BR" dirty="0" smtClean="0"/>
+              <a:t>://</a:t>
+            </a:r>
+            <a:r>
+              <a:rPr lang="pt-BR" dirty="0" err="1" smtClean="0"/>
+              <a:t>vimeo.com</a:t>
+            </a:r>
+            <a:r>
+              <a:rPr lang="pt-BR" dirty="0" smtClean="0"/>
+              <a:t>/21860134</a:t>
+            </a:r>
+            <a:endParaRPr lang="en-US" dirty="0"/>
+          </a:p>
+        </p:txBody>
+      </p:sp>
+    </p:spTree>
+    <p:extLst>
+      <p:ext uri="{BB962C8B-B14F-4D97-AF65-F5344CB8AC3E}">
+        <p14:creationId xmlns:p14="http://schemas.microsoft.com/office/powerpoint/2010/main" val="3842720374"/>
       </p:ext>
     </p:extLst>
   </p:cSld>
@@ -4135,7 +5600,11 @@
           <a:p>
             <a:r>
               <a:rPr lang="en-US" dirty="0" smtClean="0"/>
-              <a:t>Methods we will Use</a:t>
+              <a:t>Wait</a:t>
+            </a:r>
+            <a:r>
+              <a:rPr lang="en-US" baseline="0" dirty="0" smtClean="0"/>
+              <a:t> For AJAX</a:t>
             </a:r>
             <a:endParaRPr lang="en-US" dirty="0"/>
           </a:p>
@@ -4153,92 +5622,37 @@
         </p:nvSpPr>
         <p:spPr/>
         <p:txBody>
-          <a:bodyPr>
-            <a:normAutofit fontScale="92500" lnSpcReduction="10000"/>
-          </a:bodyPr>
-          <a:lstStyle/>
-          <a:p>
-            <a:r>
-              <a:rPr lang="en-US" dirty="0" smtClean="0"/>
-              <a:t>Selenium 1</a:t>
-            </a:r>
-          </a:p>
-          <a:p>
-            <a:pPr lvl="1"/>
-            <a:r>
-              <a:rPr lang="en-US" dirty="0" smtClean="0"/>
-              <a:t>Ruby</a:t>
-            </a:r>
-          </a:p>
-          <a:p>
-            <a:pPr lvl="2"/>
-            <a:r>
-              <a:rPr lang="en-US" dirty="0" smtClean="0"/>
-              <a:t>w</a:t>
-            </a:r>
-            <a:r>
-              <a:rPr lang="pl-PL" dirty="0" err="1" smtClean="0"/>
-              <a:t>ait_for_condition</a:t>
-            </a:r>
-            <a:endParaRPr lang="en-US" dirty="0" smtClean="0"/>
-          </a:p>
-          <a:p>
-            <a:pPr lvl="1"/>
-            <a:r>
-              <a:rPr lang="en-US" dirty="0" smtClean="0"/>
-              <a:t>Java</a:t>
-            </a:r>
-          </a:p>
-          <a:p>
-            <a:pPr lvl="2"/>
-            <a:r>
-              <a:rPr lang="pl-PL" dirty="0" err="1" smtClean="0"/>
-              <a:t>waitForCondition</a:t>
-            </a:r>
-            <a:endParaRPr lang="en-US" dirty="0" smtClean="0"/>
-          </a:p>
-          <a:p>
-            <a:r>
-              <a:rPr lang="en-US" dirty="0" smtClean="0"/>
-              <a:t>Selenium 2</a:t>
-            </a:r>
-          </a:p>
-          <a:p>
-            <a:pPr lvl="1"/>
-            <a:r>
-              <a:rPr lang="en-US" dirty="0" smtClean="0"/>
-              <a:t>Ruby</a:t>
-            </a:r>
-          </a:p>
-          <a:p>
-            <a:pPr lvl="2"/>
-            <a:r>
-              <a:rPr lang="en-US" dirty="0" err="1" smtClean="0"/>
-              <a:t>execute_script</a:t>
-            </a:r>
-            <a:endParaRPr lang="en-US" dirty="0" smtClean="0"/>
-          </a:p>
-          <a:p>
-            <a:pPr lvl="1"/>
-            <a:r>
-              <a:rPr lang="en-US" dirty="0" smtClean="0"/>
-              <a:t>Java</a:t>
-            </a:r>
-          </a:p>
-          <a:p>
-            <a:pPr lvl="2"/>
-            <a:r>
-              <a:rPr lang="en-US" dirty="0" err="1" smtClean="0"/>
-              <a:t>executeScript</a:t>
-            </a:r>
-            <a:endParaRPr lang="en-US" dirty="0" smtClean="0"/>
+          <a:bodyPr/>
+          <a:lstStyle/>
+          <a:p>
+            <a:r>
+              <a:rPr lang="en-US" dirty="0" smtClean="0"/>
+              <a:t>More web</a:t>
+            </a:r>
+            <a:r>
+              <a:rPr lang="en-US" baseline="0" dirty="0" smtClean="0"/>
+              <a:t> applications use AJAX to load content</a:t>
+            </a:r>
+          </a:p>
+          <a:p>
+            <a:r>
+              <a:rPr lang="en-US" baseline="0" dirty="0" smtClean="0"/>
+              <a:t>Selenium is not very smart about AJAX</a:t>
+            </a:r>
+          </a:p>
+          <a:p>
+            <a:r>
+              <a:rPr lang="en-US" baseline="0" dirty="0" smtClean="0"/>
+              <a:t>You need to add your own wait for AJAX method</a:t>
+            </a:r>
+            <a:endParaRPr lang="en-US" dirty="0"/>
           </a:p>
         </p:txBody>
       </p:sp>
     </p:spTree>
     <p:extLst>
       <p:ext uri="{BB962C8B-B14F-4D97-AF65-F5344CB8AC3E}">
-        <p14:creationId xmlns:p14="http://schemas.microsoft.com/office/powerpoint/2010/main" val="2206474240"/>
+        <p14:creationId xmlns:p14="http://schemas.microsoft.com/office/powerpoint/2010/main" val="2849242526"/>
       </p:ext>
     </p:extLst>
   </p:cSld>
@@ -4282,218 +5696,110 @@
           <a:p>
             <a:r>
               <a:rPr lang="en-US" dirty="0" smtClean="0"/>
+              <a:t>Methods we will Use</a:t>
+            </a:r>
+            <a:endParaRPr lang="en-US" dirty="0"/>
+          </a:p>
+        </p:txBody>
+      </p:sp>
+      <p:sp>
+        <p:nvSpPr>
+          <p:cNvPr id="3" name="Content Placeholder 2"/>
+          <p:cNvSpPr>
+            <a:spLocks noGrp="1"/>
+          </p:cNvSpPr>
+          <p:nvPr>
+            <p:ph idx="1"/>
+          </p:nvPr>
+        </p:nvSpPr>
+        <p:spPr/>
+        <p:txBody>
+          <a:bodyPr>
+            <a:normAutofit fontScale="92500" lnSpcReduction="10000"/>
+          </a:bodyPr>
+          <a:lstStyle/>
+          <a:p>
+            <a:r>
+              <a:rPr lang="en-US" dirty="0" smtClean="0"/>
               <a:t>Selenium 1</a:t>
             </a:r>
-            <a:endParaRPr lang="en-US" dirty="0"/>
-          </a:p>
-        </p:txBody>
-      </p:sp>
-      <p:sp>
-        <p:nvSpPr>
-          <p:cNvPr id="3" name="Content Placeholder 2"/>
-          <p:cNvSpPr>
-            <a:spLocks noGrp="1"/>
-          </p:cNvSpPr>
-          <p:nvPr>
-            <p:ph idx="1"/>
-          </p:nvPr>
-        </p:nvSpPr>
-        <p:spPr/>
-        <p:txBody>
-          <a:bodyPr/>
-          <a:lstStyle/>
-          <a:p>
-            <a:pPr marL="342900" marR="0" lvl="0" indent="-342900" algn="l" defTabSz="914400" rtl="0" eaLnBrk="1" fontAlgn="auto" latinLnBrk="0" hangingPunct="1">
-              <a:lnSpc>
-                <a:spcPct val="100000"/>
-              </a:lnSpc>
-              <a:spcBef>
-                <a:spcPct val="20000"/>
-              </a:spcBef>
-              <a:spcAft>
-                <a:spcPts val="0"/>
-              </a:spcAft>
-              <a:buClrTx/>
-              <a:buSzTx/>
-              <a:buFont typeface="Arial" pitchFamily="34" charset="0"/>
-              <a:buChar char="•"/>
-              <a:tabLst/>
-              <a:defRPr/>
-            </a:pPr>
-            <a:r>
-              <a:rPr lang="pl-PL" sz="3200" kern="1200" dirty="0" smtClean="0">
-                <a:solidFill>
-                  <a:schemeClr val="tx1"/>
-                </a:solidFill>
-                <a:effectLst/>
-                <a:latin typeface="+mn-lt"/>
-                <a:ea typeface="+mn-ea"/>
-                <a:cs typeface="+mn-cs"/>
-              </a:rPr>
-              <a:t>To </a:t>
-            </a:r>
-            <a:r>
-              <a:rPr lang="pl-PL" sz="3200" kern="1200" dirty="0" err="1" smtClean="0">
-                <a:solidFill>
-                  <a:schemeClr val="tx1"/>
-                </a:solidFill>
-                <a:effectLst/>
-                <a:latin typeface="+mn-lt"/>
-                <a:ea typeface="+mn-ea"/>
-                <a:cs typeface="+mn-cs"/>
-              </a:rPr>
-              <a:t>get</a:t>
-            </a:r>
-            <a:r>
-              <a:rPr lang="pl-PL" sz="3200" kern="1200" dirty="0" smtClean="0">
-                <a:solidFill>
-                  <a:schemeClr val="tx1"/>
-                </a:solidFill>
-                <a:effectLst/>
-                <a:latin typeface="+mn-lt"/>
-                <a:ea typeface="+mn-ea"/>
-                <a:cs typeface="+mn-cs"/>
-              </a:rPr>
-              <a:t> to </a:t>
-            </a:r>
-            <a:r>
-              <a:rPr lang="pl-PL" sz="3200" kern="1200" dirty="0" err="1" smtClean="0">
-                <a:solidFill>
-                  <a:schemeClr val="tx1"/>
-                </a:solidFill>
-                <a:effectLst/>
-                <a:latin typeface="+mn-lt"/>
-                <a:ea typeface="+mn-ea"/>
-                <a:cs typeface="+mn-cs"/>
-              </a:rPr>
-              <a:t>current</a:t>
-            </a:r>
-            <a:r>
-              <a:rPr lang="pl-PL" sz="3200" kern="1200" dirty="0" smtClean="0">
-                <a:solidFill>
-                  <a:schemeClr val="tx1"/>
-                </a:solidFill>
-                <a:effectLst/>
-                <a:latin typeface="+mn-lt"/>
-                <a:ea typeface="+mn-ea"/>
-                <a:cs typeface="+mn-cs"/>
-              </a:rPr>
-              <a:t> </a:t>
-            </a:r>
-            <a:r>
-              <a:rPr lang="pl-PL" sz="3200" kern="1200" dirty="0" err="1" smtClean="0">
-                <a:solidFill>
-                  <a:schemeClr val="tx1"/>
-                </a:solidFill>
-                <a:effectLst/>
-                <a:latin typeface="+mn-lt"/>
-                <a:ea typeface="+mn-ea"/>
-                <a:cs typeface="+mn-cs"/>
-              </a:rPr>
-              <a:t>window</a:t>
-            </a:r>
-            <a:r>
-              <a:rPr lang="pl-PL" sz="3200" kern="1200" dirty="0" smtClean="0">
-                <a:solidFill>
-                  <a:schemeClr val="tx1"/>
-                </a:solidFill>
-                <a:effectLst/>
-                <a:latin typeface="+mn-lt"/>
-                <a:ea typeface="+mn-ea"/>
-                <a:cs typeface="+mn-cs"/>
-              </a:rPr>
-              <a:t> DOM</a:t>
-            </a:r>
-          </a:p>
-          <a:p>
-            <a:pPr marL="742950" marR="0" lvl="1" indent="-342900" algn="l" defTabSz="914400" rtl="0" eaLnBrk="1" fontAlgn="auto" latinLnBrk="0" hangingPunct="1">
-              <a:lnSpc>
-                <a:spcPct val="100000"/>
-              </a:lnSpc>
-              <a:spcBef>
-                <a:spcPct val="20000"/>
-              </a:spcBef>
-              <a:spcAft>
-                <a:spcPts val="0"/>
-              </a:spcAft>
-              <a:buClrTx/>
-              <a:buSzTx/>
-              <a:buFont typeface="Arial" pitchFamily="34" charset="0"/>
-              <a:buChar char="•"/>
-              <a:tabLst/>
-              <a:defRPr/>
-            </a:pPr>
-            <a:r>
-              <a:rPr lang="pl-PL" sz="2800" kern="1200" baseline="0" dirty="0" err="1" smtClean="0">
-                <a:solidFill>
-                  <a:schemeClr val="tx1"/>
-                </a:solidFill>
-                <a:effectLst/>
-                <a:latin typeface="+mn-lt"/>
-                <a:ea typeface="+mn-ea"/>
-                <a:cs typeface="+mn-cs"/>
-              </a:rPr>
-              <a:t>selenium.browserbot.getCurrentWindow</a:t>
-            </a:r>
-            <a:r>
-              <a:rPr lang="pl-PL" sz="2800" kern="1200" baseline="0" dirty="0" smtClean="0">
-                <a:solidFill>
-                  <a:schemeClr val="tx1"/>
-                </a:solidFill>
-                <a:effectLst/>
-                <a:latin typeface="+mn-lt"/>
-                <a:ea typeface="+mn-ea"/>
-                <a:cs typeface="+mn-cs"/>
-              </a:rPr>
-              <a:t>()</a:t>
-            </a:r>
-            <a:r>
-              <a:rPr lang="pl-PL" dirty="0" smtClean="0"/>
-              <a:t> </a:t>
-            </a:r>
-            <a:endParaRPr lang="pl-PL" sz="2800" dirty="0" smtClean="0">
-              <a:effectLst/>
-            </a:endParaRPr>
-          </a:p>
-          <a:p>
+          </a:p>
+          <a:p>
+            <a:pPr lvl="1"/>
+            <a:r>
+              <a:rPr lang="en-US" dirty="0" smtClean="0"/>
+              <a:t>Ruby</a:t>
+            </a:r>
+          </a:p>
+          <a:p>
+            <a:pPr lvl="2"/>
+            <a:r>
+              <a:rPr lang="en-US" dirty="0" smtClean="0"/>
+              <a:t>w</a:t>
+            </a:r>
+            <a:r>
+              <a:rPr lang="pl-PL" dirty="0" err="1" smtClean="0"/>
+              <a:t>ait_for_condition</a:t>
+            </a:r>
             <a:endParaRPr lang="en-US" dirty="0" smtClean="0"/>
           </a:p>
           <a:p>
-            <a:r>
-              <a:rPr lang="en-US" dirty="0" smtClean="0"/>
-              <a:t>Condition example for </a:t>
-            </a:r>
+            <a:pPr lvl="1"/>
+            <a:r>
+              <a:rPr lang="en-US" dirty="0" smtClean="0"/>
+              <a:t>Java</a:t>
+            </a:r>
+          </a:p>
+          <a:p>
+            <a:pPr lvl="2"/>
+            <a:r>
+              <a:rPr lang="pl-PL" dirty="0" err="1" smtClean="0"/>
+              <a:t>waitForCondition</a:t>
+            </a:r>
+            <a:endParaRPr lang="en-US" dirty="0" smtClean="0"/>
+          </a:p>
+          <a:p>
+            <a:r>
+              <a:rPr lang="en-US" dirty="0" smtClean="0"/>
+              <a:t>Selenium 2</a:t>
+            </a:r>
+          </a:p>
+          <a:p>
+            <a:pPr lvl="1"/>
+            <a:r>
+              <a:rPr lang="en-US" dirty="0" smtClean="0"/>
+              <a:t>Ruby</a:t>
+            </a:r>
+          </a:p>
+          <a:p>
+            <a:pPr lvl="2"/>
             <a:r>
               <a:rPr lang="en-US" dirty="0" err="1" smtClean="0"/>
-              <a:t>jQuery</a:t>
+              <a:t>execute_script</a:t>
             </a:r>
             <a:endParaRPr lang="en-US" dirty="0" smtClean="0"/>
           </a:p>
           <a:p>
             <a:pPr lvl="1"/>
             <a:r>
-              <a:rPr lang="pl-PL" i="1" dirty="0" err="1" smtClean="0"/>
-              <a:t>selenium.browserbot.getCurrentWindow</a:t>
-            </a:r>
-            <a:r>
-              <a:rPr lang="pl-PL" i="1" dirty="0" smtClean="0"/>
-              <a:t>().</a:t>
-            </a:r>
-            <a:r>
-              <a:rPr lang="pl-PL" i="1" dirty="0" err="1" smtClean="0"/>
-              <a:t>jQuery.active</a:t>
-            </a:r>
-            <a:r>
-              <a:rPr lang="pl-PL" i="1" dirty="0" smtClean="0"/>
-              <a:t> == 0</a:t>
-            </a:r>
+              <a:rPr lang="en-US" dirty="0" smtClean="0"/>
+              <a:t>Java</a:t>
+            </a:r>
+          </a:p>
+          <a:p>
+            <a:pPr lvl="2"/>
+            <a:r>
+              <a:rPr lang="en-US" dirty="0" err="1" smtClean="0"/>
+              <a:t>executeScript</a:t>
+            </a:r>
+            <a:endParaRPr lang="en-US" dirty="0" smtClean="0"/>
           </a:p>
         </p:txBody>
       </p:sp>
     </p:spTree>
     <p:extLst>
       <p:ext uri="{BB962C8B-B14F-4D97-AF65-F5344CB8AC3E}">
-        <p14:creationId xmlns:p14="http://schemas.microsoft.com/office/powerpoint/2010/main" val="1577805461"/>
+        <p14:creationId xmlns:p14="http://schemas.microsoft.com/office/powerpoint/2010/main" val="2206474240"/>
       </p:ext>
     </p:extLst>
   </p:cSld>
@@ -4537,7 +5843,7 @@
           <a:p>
             <a:r>
               <a:rPr lang="en-US" dirty="0" smtClean="0"/>
-              <a:t>Selenium 2</a:t>
+              <a:t>Selenium 1</a:t>
             </a:r>
             <a:endParaRPr lang="en-US" dirty="0"/>
           </a:p>
@@ -4558,65 +5864,197 @@
           <a:bodyPr/>
           <a:lstStyle/>
           <a:p>
+            <a:pPr marL="342900" marR="0" lvl="0" indent="-342900" algn="l" defTabSz="914400" rtl="0" eaLnBrk="1" fontAlgn="auto" latinLnBrk="0" hangingPunct="1">
+              <a:lnSpc>
+                <a:spcPct val="100000"/>
+              </a:lnSpc>
+              <a:spcBef>
+                <a:spcPct val="20000"/>
+              </a:spcBef>
+              <a:spcAft>
+                <a:spcPts val="0"/>
+              </a:spcAft>
+              <a:buClrTx/>
+              <a:buSzTx/>
+              <a:buFont typeface="Arial" pitchFamily="34" charset="0"/>
+              <a:buChar char="•"/>
+              <a:tabLst/>
+              <a:defRPr/>
+            </a:pPr>
+            <a:r>
+              <a:rPr lang="pl-PL" sz="3200" kern="1200" dirty="0" smtClean="0">
+                <a:solidFill>
+                  <a:schemeClr val="tx1"/>
+                </a:solidFill>
+                <a:effectLst/>
+                <a:latin typeface="+mn-lt"/>
+                <a:ea typeface="+mn-ea"/>
+                <a:cs typeface="+mn-cs"/>
+              </a:rPr>
+              <a:t>To </a:t>
+            </a:r>
+            <a:r>
+              <a:rPr lang="pl-PL" sz="3200" kern="1200" dirty="0" err="1" smtClean="0">
+                <a:solidFill>
+                  <a:schemeClr val="tx1"/>
+                </a:solidFill>
+                <a:effectLst/>
+                <a:latin typeface="+mn-lt"/>
+                <a:ea typeface="+mn-ea"/>
+                <a:cs typeface="+mn-cs"/>
+              </a:rPr>
+              <a:t>get</a:t>
+            </a:r>
+            <a:r>
+              <a:rPr lang="pl-PL" sz="3200" kern="1200" dirty="0" smtClean="0">
+                <a:solidFill>
+                  <a:schemeClr val="tx1"/>
+                </a:solidFill>
+                <a:effectLst/>
+                <a:latin typeface="+mn-lt"/>
+                <a:ea typeface="+mn-ea"/>
+                <a:cs typeface="+mn-cs"/>
+              </a:rPr>
+              <a:t> to </a:t>
+            </a:r>
+            <a:r>
+              <a:rPr lang="pl-PL" sz="3200" kern="1200" dirty="0" err="1" smtClean="0">
+                <a:solidFill>
+                  <a:schemeClr val="tx1"/>
+                </a:solidFill>
+                <a:effectLst/>
+                <a:latin typeface="+mn-lt"/>
+                <a:ea typeface="+mn-ea"/>
+                <a:cs typeface="+mn-cs"/>
+              </a:rPr>
+              <a:t>current</a:t>
+            </a:r>
+            <a:r>
+              <a:rPr lang="pl-PL" sz="3200" kern="1200" dirty="0" smtClean="0">
+                <a:solidFill>
+                  <a:schemeClr val="tx1"/>
+                </a:solidFill>
+                <a:effectLst/>
+                <a:latin typeface="+mn-lt"/>
+                <a:ea typeface="+mn-ea"/>
+                <a:cs typeface="+mn-cs"/>
+              </a:rPr>
+              <a:t> </a:t>
+            </a:r>
+            <a:r>
+              <a:rPr lang="pl-PL" sz="3200" kern="1200" dirty="0" err="1" smtClean="0">
+                <a:solidFill>
+                  <a:schemeClr val="tx1"/>
+                </a:solidFill>
+                <a:effectLst/>
+                <a:latin typeface="+mn-lt"/>
+                <a:ea typeface="+mn-ea"/>
+                <a:cs typeface="+mn-cs"/>
+              </a:rPr>
+              <a:t>window</a:t>
+            </a:r>
+            <a:r>
+              <a:rPr lang="pl-PL" sz="3200" kern="1200" dirty="0" smtClean="0">
+                <a:solidFill>
+                  <a:schemeClr val="tx1"/>
+                </a:solidFill>
+                <a:effectLst/>
+                <a:latin typeface="+mn-lt"/>
+                <a:ea typeface="+mn-ea"/>
+                <a:cs typeface="+mn-cs"/>
+              </a:rPr>
+              <a:t> DOM</a:t>
+            </a:r>
+          </a:p>
+          <a:p>
+            <a:pPr marL="742950" marR="0" lvl="1" indent="-342900" algn="l" defTabSz="914400" rtl="0" eaLnBrk="1" fontAlgn="auto" latinLnBrk="0" hangingPunct="1">
+              <a:lnSpc>
+                <a:spcPct val="100000"/>
+              </a:lnSpc>
+              <a:spcBef>
+                <a:spcPct val="20000"/>
+              </a:spcBef>
+              <a:spcAft>
+                <a:spcPts val="0"/>
+              </a:spcAft>
+              <a:buClrTx/>
+              <a:buSzTx/>
+              <a:buFont typeface="Arial" pitchFamily="34" charset="0"/>
+              <a:buChar char="•"/>
+              <a:tabLst/>
+              <a:defRPr/>
+            </a:pPr>
+            <a:r>
+              <a:rPr lang="pl-PL" sz="2800" kern="1200" baseline="0" dirty="0" err="1" smtClean="0">
+                <a:solidFill>
+                  <a:schemeClr val="tx1"/>
+                </a:solidFill>
+                <a:effectLst/>
+                <a:latin typeface="+mn-lt"/>
+                <a:ea typeface="+mn-ea"/>
+                <a:cs typeface="+mn-cs"/>
+              </a:rPr>
+              <a:t>selenium.browserbot.getCurrentWindow</a:t>
+            </a:r>
+            <a:r>
+              <a:rPr lang="pl-PL" sz="2800" kern="1200" baseline="0" dirty="0" smtClean="0">
+                <a:solidFill>
+                  <a:schemeClr val="tx1"/>
+                </a:solidFill>
+                <a:effectLst/>
+                <a:latin typeface="+mn-lt"/>
+                <a:ea typeface="+mn-ea"/>
+                <a:cs typeface="+mn-cs"/>
+              </a:rPr>
+              <a:t>()</a:t>
+            </a:r>
+            <a:r>
+              <a:rPr lang="pl-PL" dirty="0" smtClean="0"/>
+              <a:t> </a:t>
+            </a:r>
+            <a:endParaRPr lang="pl-PL" sz="2800" dirty="0" smtClean="0">
+              <a:effectLst/>
+            </a:endParaRPr>
+          </a:p>
+          <a:p>
+            <a:endParaRPr lang="en-US" dirty="0" smtClean="0"/>
+          </a:p>
+          <a:p>
+            <a:r>
+              <a:rPr lang="en-US" dirty="0" smtClean="0"/>
+              <a:t>Condition example for </a:t>
+            </a:r>
             <a:r>
               <a:rPr lang="en-US" dirty="0" err="1" smtClean="0"/>
-              <a:t>execute_script</a:t>
-            </a:r>
-            <a:r>
-              <a:rPr lang="en-US" dirty="0" smtClean="0"/>
-              <a:t> already execute on the DOM</a:t>
-            </a:r>
-          </a:p>
-          <a:p>
-            <a:r>
-              <a:rPr lang="en-US" dirty="0" smtClean="0"/>
-              <a:t>Example</a:t>
-            </a:r>
+              <a:t>jQuery</a:t>
+            </a:r>
+            <a:endParaRPr lang="en-US" dirty="0" smtClean="0"/>
           </a:p>
           <a:p>
             <a:pPr lvl="1"/>
             <a:r>
-              <a:rPr lang="en-US" dirty="0" err="1" smtClean="0"/>
-              <a:t>selenium.execute_script</a:t>
-            </a:r>
-            <a:r>
-              <a:rPr lang="en-US" dirty="0" smtClean="0"/>
-              <a:t>("return </a:t>
-            </a:r>
-            <a:r>
-              <a:rPr lang="en-US" dirty="0" err="1" smtClean="0"/>
+              <a:rPr lang="pl-PL" i="1" dirty="0" err="1" smtClean="0"/>
+              <a:t>selenium.browserbot.getCurrentWindow</a:t>
+            </a:r>
+            <a:r>
+              <a:rPr lang="pl-PL" i="1" dirty="0" smtClean="0"/>
+              <a:t>().</a:t>
+            </a:r>
+            <a:r>
+              <a:rPr lang="pl-PL" i="1" dirty="0" err="1" smtClean="0"/>
               <a:t>jQuery.active</a:t>
             </a:r>
             <a:r>
-              <a:rPr lang="en-US" dirty="0" smtClean="0"/>
-              <a:t>”)</a:t>
-            </a:r>
-          </a:p>
-          <a:p>
-            <a:pPr lvl="1"/>
-            <a:r>
-              <a:rPr lang="en-US" dirty="0" smtClean="0"/>
-              <a:t>Returns</a:t>
-            </a:r>
-            <a:r>
-              <a:rPr lang="en-US" baseline="0" dirty="0" smtClean="0"/>
-              <a:t> integer</a:t>
-            </a:r>
-          </a:p>
-          <a:p>
-            <a:pPr lvl="1"/>
-            <a:r>
-              <a:rPr lang="en-US" baseline="0" dirty="0" smtClean="0"/>
-              <a:t>0 no longer active</a:t>
-            </a:r>
-            <a:endParaRPr lang="en-US" dirty="0"/>
+              <a:rPr lang="pl-PL" i="1" dirty="0" smtClean="0"/>
+              <a:t> == 0</a:t>
+            </a:r>
           </a:p>
         </p:txBody>
       </p:sp>
     </p:spTree>
     <p:extLst>
       <p:ext uri="{BB962C8B-B14F-4D97-AF65-F5344CB8AC3E}">
-        <p14:creationId xmlns:p14="http://schemas.microsoft.com/office/powerpoint/2010/main" val="287751570"/>
+        <p14:creationId xmlns:p14="http://schemas.microsoft.com/office/powerpoint/2010/main" val="1577805461"/>
       </p:ext>
     </p:extLst>
   </p:cSld>
@@ -4658,90 +6096,88 @@
           <a:bodyPr/>
           <a:lstStyle/>
           <a:p>
-            <a:pPr lvl="0"/>
-            <a:r>
-              <a:rPr lang="en-US" dirty="0" smtClean="0"/>
-              <a:t>Non </a:t>
-            </a:r>
+            <a:r>
+              <a:rPr lang="en-US" dirty="0" smtClean="0"/>
+              <a:t>Selenium 2</a:t>
+            </a:r>
+            <a:endParaRPr lang="en-US" dirty="0"/>
+          </a:p>
+        </p:txBody>
+      </p:sp>
+      <p:sp>
+        <p:nvSpPr>
+          <p:cNvPr id="3" name="Content Placeholder 2"/>
+          <p:cNvSpPr>
+            <a:spLocks noGrp="1"/>
+          </p:cNvSpPr>
+          <p:nvPr>
+            <p:ph idx="1"/>
+          </p:nvPr>
+        </p:nvSpPr>
+        <p:spPr/>
+        <p:txBody>
+          <a:bodyPr/>
+          <a:lstStyle/>
+          <a:p>
             <a:r>
               <a:rPr lang="en-US" dirty="0" err="1" smtClean="0"/>
-              <a:t>jQuery</a:t>
+              <a:t>execute_script</a:t>
+            </a:r>
+            <a:r>
+              <a:rPr lang="en-US" dirty="0" smtClean="0"/>
+              <a:t> already execute on the DOM</a:t>
+            </a:r>
+          </a:p>
+          <a:p>
+            <a:r>
+              <a:rPr lang="en-US" dirty="0" smtClean="0"/>
+              <a:t>Example</a:t>
+            </a:r>
+          </a:p>
+          <a:p>
+            <a:pPr lvl="1"/>
+            <a:r>
+              <a:rPr lang="en-US" dirty="0" err="1" smtClean="0"/>
+              <a:t>selenium.execute_script</a:t>
+            </a:r>
+            <a:r>
+              <a:rPr lang="en-US" dirty="0" smtClean="0"/>
+              <a:t>("return </a:t>
+            </a:r>
+            <a:r>
+              <a:rPr lang="en-US" dirty="0" err="1" smtClean="0"/>
+              <a:t>jQuery.active</a:t>
+            </a:r>
+            <a:r>
+              <a:rPr lang="en-US" dirty="0" smtClean="0"/>
+              <a:t>”)</a:t>
+            </a:r>
+          </a:p>
+          <a:p>
+            <a:pPr lvl="1"/>
+            <a:r>
+              <a:rPr lang="en-US" dirty="0" smtClean="0"/>
+              <a:t>Returns</a:t>
             </a:r>
             <a:r>
               <a:rPr lang="en-US" baseline="0" dirty="0" smtClean="0"/>
-              <a:t> examples to check</a:t>
+              <a:t> integer</a:t>
+            </a:r>
+          </a:p>
+          <a:p>
+            <a:pPr lvl="1"/>
+            <a:r>
+              <a:rPr lang="en-US" baseline="0" dirty="0" smtClean="0"/>
+              <a:t>0 no longer active</a:t>
             </a:r>
             <a:endParaRPr lang="en-US" dirty="0"/>
-          </a:p>
-        </p:txBody>
-      </p:sp>
-      <p:sp>
-        <p:nvSpPr>
-          <p:cNvPr id="3" name="Content Placeholder 2"/>
-          <p:cNvSpPr>
-            <a:spLocks noGrp="1"/>
-          </p:cNvSpPr>
-          <p:nvPr>
-            <p:ph idx="1"/>
-          </p:nvPr>
-        </p:nvSpPr>
-        <p:spPr/>
-        <p:txBody>
-          <a:bodyPr>
-            <a:normAutofit/>
-          </a:bodyPr>
-          <a:lstStyle/>
-          <a:p>
-            <a:pPr lvl="0"/>
-            <a:r>
-              <a:rPr lang="en-US" baseline="0" dirty="0" err="1" smtClean="0"/>
-              <a:t>jQuery</a:t>
-            </a:r>
-            <a:endParaRPr lang="en-US" baseline="0" dirty="0" smtClean="0"/>
-          </a:p>
-          <a:p>
-            <a:pPr lvl="1"/>
-            <a:r>
-              <a:rPr lang="en-US" baseline="0" dirty="0" err="1" smtClean="0"/>
-              <a:t>jQuery.active</a:t>
-            </a:r>
-            <a:endParaRPr lang="en-US" baseline="0" dirty="0" smtClean="0"/>
-          </a:p>
-          <a:p>
-            <a:pPr lvl="0"/>
-            <a:r>
-              <a:rPr lang="en-US" baseline="0" dirty="0" smtClean="0"/>
-              <a:t>Prototype</a:t>
-            </a:r>
-          </a:p>
-          <a:p>
-            <a:pPr lvl="1"/>
-            <a:r>
-              <a:rPr lang="en-US" dirty="0" err="1" smtClean="0"/>
-              <a:t>Ajax.activeRequestCount</a:t>
-            </a:r>
-            <a:endParaRPr lang="en-US" baseline="0" dirty="0" smtClean="0"/>
-          </a:p>
-          <a:p>
-            <a:r>
-              <a:rPr lang="en-US" baseline="0" dirty="0" smtClean="0"/>
-              <a:t>Dojo</a:t>
-            </a:r>
-          </a:p>
-          <a:p>
-            <a:pPr lvl="1"/>
-            <a:r>
-              <a:rPr lang="pl-PL" dirty="0" err="1" smtClean="0"/>
-              <a:t>dojo.io.XMLHTTPTransport.inFlight.length</a:t>
-            </a:r>
-            <a:endParaRPr lang="pl-PL" dirty="0" smtClean="0"/>
           </a:p>
         </p:txBody>
       </p:sp>
     </p:spTree>
     <p:extLst>
       <p:ext uri="{BB962C8B-B14F-4D97-AF65-F5344CB8AC3E}">
-        <p14:creationId xmlns:p14="http://schemas.microsoft.com/office/powerpoint/2010/main" val="3174985534"/>
+        <p14:creationId xmlns:p14="http://schemas.microsoft.com/office/powerpoint/2010/main" val="287751570"/>
       </p:ext>
     </p:extLst>
   </p:cSld>
@@ -4786,7 +6222,15 @@
             <a:pPr lvl="0"/>
             <a:r>
               <a:rPr lang="en-US" dirty="0" smtClean="0"/>
-              <a:t>Screenshot</a:t>
+              <a:t>Non </a:t>
+            </a:r>
+            <a:r>
+              <a:rPr lang="en-US" dirty="0" err="1" smtClean="0"/>
+              <a:t>jQuery</a:t>
+            </a:r>
+            <a:r>
+              <a:rPr lang="en-US" baseline="0" dirty="0" smtClean="0"/>
+              <a:t> examples to check</a:t>
             </a:r>
             <a:endParaRPr lang="en-US" dirty="0"/>
           </a:p>
@@ -4809,49 +6253,56 @@
           </a:bodyPr>
           <a:lstStyle/>
           <a:p>
-            <a:r>
-              <a:rPr lang="en-US" dirty="0" smtClean="0"/>
-              <a:t>Selenium allows you to take screenshots of the whole</a:t>
-            </a:r>
+            <a:pPr lvl="0"/>
+            <a:r>
+              <a:rPr lang="en-US" baseline="0" dirty="0" err="1" smtClean="0"/>
+              <a:t>jQuery</a:t>
+            </a:r>
+            <a:endParaRPr lang="en-US" baseline="0" dirty="0" smtClean="0"/>
+          </a:p>
+          <a:p>
+            <a:pPr lvl="1"/>
+            <a:r>
+              <a:rPr lang="en-US" baseline="0" dirty="0" err="1" smtClean="0"/>
+              <a:t>jQuery.active</a:t>
+            </a:r>
+            <a:endParaRPr lang="en-US" baseline="0" dirty="0" smtClean="0"/>
+          </a:p>
+          <a:p>
+            <a:pPr lvl="0"/>
             <a:r>
               <a:rPr lang="en-US" baseline="0" dirty="0" smtClean="0"/>
-              <a:t> web-page</a:t>
-            </a:r>
-          </a:p>
-          <a:p>
-            <a:r>
-              <a:rPr lang="nl-NL" dirty="0" smtClean="0"/>
-              <a:t>Java</a:t>
+              <a:t>Prototype</a:t>
             </a:r>
           </a:p>
           <a:p>
             <a:pPr lvl="1"/>
             <a:r>
-              <a:rPr lang="nl-NL" dirty="0" err="1" smtClean="0"/>
-              <a:t>getScreenshotAs</a:t>
-            </a:r>
-            <a:endParaRPr lang="nl-NL" dirty="0" smtClean="0"/>
-          </a:p>
-          <a:p>
-            <a:pPr lvl="0"/>
-            <a:r>
-              <a:rPr lang="en-US" dirty="0" smtClean="0"/>
-              <a:t>Ruby</a:t>
+              <a:rPr lang="en-US" dirty="0" err="1" smtClean="0"/>
+              <a:t>Ajax.activeRequestCount</a:t>
+            </a:r>
+            <a:endParaRPr lang="en-US" baseline="0" dirty="0" smtClean="0"/>
+          </a:p>
+          <a:p>
+            <a:r>
+              <a:rPr lang="en-US" baseline="0" dirty="0" smtClean="0"/>
+              <a:t>Dojo</a:t>
             </a:r>
           </a:p>
           <a:p>
             <a:pPr lvl="1"/>
             <a:r>
-              <a:rPr lang="hr-HR" dirty="0" smtClean="0"/>
-              <a:t>save_screenshot</a:t>
-            </a:r>
+              <a:rPr lang="pl-PL" dirty="0" err="1" smtClean="0"/>
+              <a:t>dojo.io.XMLHTTPTransport.inFlight.length</a:t>
+            </a:r>
+            <a:endParaRPr lang="pl-PL" dirty="0" smtClean="0"/>
           </a:p>
         </p:txBody>
       </p:sp>
     </p:spTree>
     <p:extLst>
       <p:ext uri="{BB962C8B-B14F-4D97-AF65-F5344CB8AC3E}">
-        <p14:creationId xmlns:p14="http://schemas.microsoft.com/office/powerpoint/2010/main" val="3826323802"/>
+        <p14:creationId xmlns:p14="http://schemas.microsoft.com/office/powerpoint/2010/main" val="3174985534"/>
       </p:ext>
     </p:extLst>
   </p:cSld>
@@ -4890,84 +6341,70 @@
         </p:nvSpPr>
         <p:spPr/>
         <p:txBody>
+          <a:bodyPr/>
+          <a:lstStyle/>
+          <a:p>
+            <a:pPr lvl="0"/>
+            <a:r>
+              <a:rPr lang="en-US" dirty="0" smtClean="0"/>
+              <a:t>Screenshot</a:t>
+            </a:r>
+            <a:endParaRPr lang="en-US" dirty="0"/>
+          </a:p>
+        </p:txBody>
+      </p:sp>
+      <p:sp>
+        <p:nvSpPr>
+          <p:cNvPr id="3" name="Content Placeholder 2"/>
+          <p:cNvSpPr>
+            <a:spLocks noGrp="1"/>
+          </p:cNvSpPr>
+          <p:nvPr>
+            <p:ph idx="1"/>
+          </p:nvPr>
+        </p:nvSpPr>
+        <p:spPr/>
+        <p:txBody>
           <a:bodyPr>
-            <a:normAutofit fontScale="90000"/>
+            <a:normAutofit/>
           </a:bodyPr>
           <a:lstStyle/>
           <a:p>
             <a:r>
               <a:rPr lang="en-US" dirty="0" smtClean="0"/>
-              <a:t>Take</a:t>
+              <a:t>Selenium allows you to take screenshots of the whole</a:t>
             </a:r>
             <a:r>
               <a:rPr lang="en-US" baseline="0" dirty="0" smtClean="0"/>
-              <a:t> a screenshot on failure in Cucumber</a:t>
-            </a:r>
-            <a:endParaRPr lang="en-US" dirty="0"/>
-          </a:p>
-        </p:txBody>
-      </p:sp>
-      <p:sp>
-        <p:nvSpPr>
-          <p:cNvPr id="3" name="Content Placeholder 2"/>
-          <p:cNvSpPr>
-            <a:spLocks noGrp="1"/>
-          </p:cNvSpPr>
-          <p:nvPr>
-            <p:ph idx="1"/>
-          </p:nvPr>
-        </p:nvSpPr>
-        <p:spPr/>
-        <p:txBody>
-          <a:bodyPr/>
-          <a:lstStyle/>
-          <a:p>
-            <a:r>
-              <a:rPr lang="en-US" dirty="0" smtClean="0"/>
-              <a:t>Cucumber has</a:t>
-            </a:r>
-            <a:r>
-              <a:rPr lang="en-US" baseline="0" dirty="0" smtClean="0"/>
-              <a:t> HTML reports</a:t>
-            </a:r>
-          </a:p>
-          <a:p>
-            <a:r>
-              <a:rPr lang="en-US" baseline="0" dirty="0" smtClean="0"/>
-              <a:t>You can attach screenshots into report</a:t>
-            </a:r>
-          </a:p>
-          <a:p>
-            <a:r>
-              <a:rPr lang="en-US" baseline="0" dirty="0" smtClean="0"/>
-              <a:t>Example</a:t>
+              <a:t> web-page</a:t>
+            </a:r>
+          </a:p>
+          <a:p>
+            <a:r>
+              <a:rPr lang="nl-NL" dirty="0" smtClean="0"/>
+              <a:t>Java</a:t>
             </a:r>
           </a:p>
           <a:p>
             <a:pPr lvl="1"/>
             <a:r>
               <a:rPr lang="nl-NL" dirty="0" err="1" smtClean="0"/>
-              <a:t>embed</a:t>
-            </a:r>
-            <a:r>
-              <a:rPr lang="nl-NL" dirty="0" smtClean="0"/>
-              <a:t>(“</a:t>
-            </a:r>
-            <a:r>
-              <a:rPr lang="nl-NL" dirty="0" err="1" smtClean="0"/>
-              <a:t>screenshot.png</a:t>
-            </a:r>
-            <a:r>
-              <a:rPr lang="nl-NL" dirty="0" smtClean="0"/>
-              <a:t>”, "image/</a:t>
-            </a:r>
-            <a:r>
-              <a:rPr lang="nl-NL" dirty="0" err="1" smtClean="0"/>
-              <a:t>png</a:t>
-            </a:r>
-            <a:r>
-              <a:rPr lang="nl-NL" dirty="0" smtClean="0"/>
-              <a:t>")</a:t>
+              <a:t>getScreenshotAs</a:t>
+            </a:r>
+            <a:endParaRPr lang="nl-NL" dirty="0" smtClean="0"/>
+          </a:p>
+          <a:p>
+            <a:pPr lvl="0"/>
+            <a:r>
+              <a:rPr lang="en-US" dirty="0" smtClean="0"/>
+              <a:t>Ruby</a:t>
+            </a:r>
+          </a:p>
+          <a:p>
+            <a:pPr lvl="1"/>
+            <a:r>
+              <a:rPr lang="hr-HR" dirty="0" smtClean="0"/>
+              <a:t>save_screenshot</a:t>
             </a:r>
           </a:p>
         </p:txBody>
@@ -4975,7 +6412,7 @@
     </p:spTree>
     <p:extLst>
       <p:ext uri="{BB962C8B-B14F-4D97-AF65-F5344CB8AC3E}">
-        <p14:creationId xmlns:p14="http://schemas.microsoft.com/office/powerpoint/2010/main" val="1351955492"/>
+        <p14:creationId xmlns:p14="http://schemas.microsoft.com/office/powerpoint/2010/main" val="3826323802"/>
       </p:ext>
     </p:extLst>
   </p:cSld>
@@ -5014,10 +6451,20 @@
         </p:nvSpPr>
         <p:spPr/>
         <p:txBody>
-          <a:bodyPr/>
-          <a:lstStyle/>
-          <a:p>
-            <a:endParaRPr lang="en-US"/>
+          <a:bodyPr>
+            <a:normAutofit fontScale="90000"/>
+          </a:bodyPr>
+          <a:lstStyle/>
+          <a:p>
+            <a:r>
+              <a:rPr lang="en-US" dirty="0" smtClean="0"/>
+              <a:t>Take</a:t>
+            </a:r>
+            <a:r>
+              <a:rPr lang="en-US" baseline="0" dirty="0" smtClean="0"/>
+              <a:t> a screenshot on failure in Cucumber</a:t>
+            </a:r>
+            <a:endParaRPr lang="en-US" dirty="0"/>
           </a:p>
         </p:txBody>
       </p:sp>
@@ -5036,14 +6483,60 @@
           <a:bodyPr/>
           <a:lstStyle/>
           <a:p>
-            <a:endParaRPr lang="en-US"/>
+            <a:r>
+              <a:rPr lang="en-US" dirty="0" smtClean="0"/>
+              <a:t>Cucumber has</a:t>
+            </a:r>
+            <a:r>
+              <a:rPr lang="en-US" baseline="0" dirty="0" smtClean="0"/>
+              <a:t> HTML reports</a:t>
+            </a:r>
+          </a:p>
+          <a:p>
+            <a:r>
+              <a:rPr lang="en-US" baseline="0" dirty="0" smtClean="0"/>
+              <a:t>You can attach screenshots into report</a:t>
+            </a:r>
+          </a:p>
+          <a:p>
+            <a:r>
+              <a:rPr lang="en-US" baseline="0" dirty="0" smtClean="0"/>
+              <a:t>Example</a:t>
+            </a:r>
+          </a:p>
+          <a:p>
+            <a:pPr lvl="1"/>
+            <a:r>
+              <a:rPr lang="nl-NL" dirty="0" err="1" smtClean="0"/>
+              <a:t>embed</a:t>
+            </a:r>
+            <a:r>
+              <a:rPr lang="nl-NL" dirty="0" smtClean="0"/>
+              <a:t>(“</a:t>
+            </a:r>
+            <a:r>
+              <a:rPr lang="nl-NL" dirty="0" err="1" smtClean="0"/>
+              <a:t>screenshot.png</a:t>
+            </a:r>
+            <a:r>
+              <a:rPr lang="nl-NL" dirty="0" smtClean="0"/>
+              <a:t>”, "image/</a:t>
+            </a:r>
+            <a:r>
+              <a:rPr lang="nl-NL" dirty="0" err="1" smtClean="0"/>
+              <a:t>png</a:t>
+            </a:r>
+            <a:r>
+              <a:rPr lang="nl-NL" dirty="0" smtClean="0"/>
+              <a:t>")</a:t>
+            </a:r>
           </a:p>
         </p:txBody>
       </p:sp>
     </p:spTree>
     <p:extLst>
       <p:ext uri="{BB962C8B-B14F-4D97-AF65-F5344CB8AC3E}">
-        <p14:creationId xmlns:p14="http://schemas.microsoft.com/office/powerpoint/2010/main" val="1024799472"/>
+        <p14:creationId xmlns:p14="http://schemas.microsoft.com/office/powerpoint/2010/main" val="1351955492"/>
       </p:ext>
     </p:extLst>
   </p:cSld>
